--- a/week-3/Week_3_Presentation.pptx
+++ b/week-3/Week_3_Presentation.pptx
@@ -11,16 +11,18 @@
     <p:sldId id="273" r:id="rId5"/>
     <p:sldId id="274" r:id="rId6"/>
     <p:sldId id="275" r:id="rId7"/>
-    <p:sldId id="276" r:id="rId8"/>
-    <p:sldId id="277" r:id="rId9"/>
-    <p:sldId id="278" r:id="rId10"/>
-    <p:sldId id="279" r:id="rId11"/>
-    <p:sldId id="280" r:id="rId12"/>
-    <p:sldId id="281" r:id="rId13"/>
-    <p:sldId id="282" r:id="rId14"/>
-    <p:sldId id="283" r:id="rId15"/>
-    <p:sldId id="284" r:id="rId16"/>
-    <p:sldId id="268" r:id="rId17"/>
+    <p:sldId id="285" r:id="rId8"/>
+    <p:sldId id="276" r:id="rId9"/>
+    <p:sldId id="277" r:id="rId10"/>
+    <p:sldId id="278" r:id="rId11"/>
+    <p:sldId id="279" r:id="rId12"/>
+    <p:sldId id="280" r:id="rId13"/>
+    <p:sldId id="281" r:id="rId14"/>
+    <p:sldId id="286" r:id="rId15"/>
+    <p:sldId id="282" r:id="rId16"/>
+    <p:sldId id="283" r:id="rId17"/>
+    <p:sldId id="284" r:id="rId18"/>
+    <p:sldId id="268" r:id="rId19"/>
   </p:sldIdLst>
   <p:sldSz cx="12192000" cy="6858000"/>
   <p:notesSz cx="6858000" cy="9144000"/>
@@ -130,7 +132,7 @@
 <file path=ppt/revisionInfo.xml><?xml version="1.0" encoding="utf-8"?>
 <p1510:revInfo xmlns:a="http://schemas.openxmlformats.org/drawingml/2006/main" xmlns:r="http://schemas.openxmlformats.org/officeDocument/2006/relationships" xmlns:p1510="http://schemas.microsoft.com/office/powerpoint/2015/10/main">
   <p1510:revLst>
-    <p1510:client id="{4E9A0CC3-68BA-40AB-B32F-23AF7F7AAA13}" v="1" dt="2022-06-18T09:28:52.628"/>
+    <p1510:client id="{4E9A0CC3-68BA-40AB-B32F-23AF7F7AAA13}" v="13" dt="2022-06-19T01:51:13.680"/>
   </p1510:revLst>
 </p1510:revInfo>
 </file>
@@ -139,8 +141,8 @@
 <pc:chgInfo xmlns:a="http://schemas.openxmlformats.org/drawingml/2006/main" xmlns:r="http://schemas.openxmlformats.org/officeDocument/2006/relationships" xmlns:ac="http://schemas.microsoft.com/office/drawing/2013/main/command" xmlns:pc="http://schemas.microsoft.com/office/powerpoint/2013/main/command">
   <pc:docChgLst>
     <pc:chgData name="Ray Ng" userId="accc31b35ee90b01" providerId="LiveId" clId="{4E9A0CC3-68BA-40AB-B32F-23AF7F7AAA13}"/>
-    <pc:docChg chg="custSel addSld modSld">
-      <pc:chgData name="Ray Ng" userId="accc31b35ee90b01" providerId="LiveId" clId="{4E9A0CC3-68BA-40AB-B32F-23AF7F7AAA13}" dt="2022-06-18T09:29:20.759" v="817" actId="113"/>
+    <pc:docChg chg="undo custSel addSld delSld modSld">
+      <pc:chgData name="Ray Ng" userId="accc31b35ee90b01" providerId="LiveId" clId="{4E9A0CC3-68BA-40AB-B32F-23AF7F7AAA13}" dt="2022-06-19T01:51:13.678" v="1137" actId="14826"/>
       <pc:docMkLst>
         <pc:docMk/>
       </pc:docMkLst>
@@ -150,6 +152,37 @@
           <pc:docMk/>
           <pc:sldMk cId="116821060" sldId="268"/>
         </pc:sldMkLst>
+      </pc:sldChg>
+      <pc:sldChg chg="addSp modSp mod">
+        <pc:chgData name="Ray Ng" userId="accc31b35ee90b01" providerId="LiveId" clId="{4E9A0CC3-68BA-40AB-B32F-23AF7F7AAA13}" dt="2022-06-18T22:12:46.360" v="926" actId="14826"/>
+        <pc:sldMkLst>
+          <pc:docMk/>
+          <pc:sldMk cId="1746973845" sldId="275"/>
+        </pc:sldMkLst>
+        <pc:spChg chg="mod">
+          <ac:chgData name="Ray Ng" userId="accc31b35ee90b01" providerId="LiveId" clId="{4E9A0CC3-68BA-40AB-B32F-23AF7F7AAA13}" dt="2022-06-18T22:12:11.147" v="925" actId="20577"/>
+          <ac:spMkLst>
+            <pc:docMk/>
+            <pc:sldMk cId="1746973845" sldId="275"/>
+            <ac:spMk id="3" creationId="{60B3D5A6-E766-7C41-BD00-B22DA4727FBA}"/>
+          </ac:spMkLst>
+        </pc:spChg>
+        <pc:picChg chg="add mod">
+          <ac:chgData name="Ray Ng" userId="accc31b35ee90b01" providerId="LiveId" clId="{4E9A0CC3-68BA-40AB-B32F-23AF7F7AAA13}" dt="2022-06-18T22:12:46.360" v="926" actId="14826"/>
+          <ac:picMkLst>
+            <pc:docMk/>
+            <pc:sldMk cId="1746973845" sldId="275"/>
+            <ac:picMk id="6" creationId="{67F15852-BFAB-1E75-6C04-493F2111FF72}"/>
+          </ac:picMkLst>
+        </pc:picChg>
+        <pc:picChg chg="mod">
+          <ac:chgData name="Ray Ng" userId="accc31b35ee90b01" providerId="LiveId" clId="{4E9A0CC3-68BA-40AB-B32F-23AF7F7AAA13}" dt="2022-06-18T22:11:22.273" v="818" actId="1076"/>
+          <ac:picMkLst>
+            <pc:docMk/>
+            <pc:sldMk cId="1746973845" sldId="275"/>
+            <ac:picMk id="7" creationId="{0FEEBC73-18CF-72DE-AAAA-8D8E65B9F9E6}"/>
+          </ac:picMkLst>
+        </pc:picChg>
       </pc:sldChg>
       <pc:sldChg chg="modSp mod">
         <pc:chgData name="Ray Ng" userId="accc31b35ee90b01" providerId="LiveId" clId="{4E9A0CC3-68BA-40AB-B32F-23AF7F7AAA13}" dt="2022-06-18T09:29:20.759" v="817" actId="113"/>
@@ -174,6 +207,91 @@
           </ac:spMkLst>
         </pc:spChg>
       </pc:sldChg>
+      <pc:sldChg chg="addSp delSp modSp add mod">
+        <pc:chgData name="Ray Ng" userId="accc31b35ee90b01" providerId="LiveId" clId="{4E9A0CC3-68BA-40AB-B32F-23AF7F7AAA13}" dt="2022-06-19T00:29:09.250" v="972" actId="14826"/>
+        <pc:sldMkLst>
+          <pc:docMk/>
+          <pc:sldMk cId="3319724414" sldId="285"/>
+        </pc:sldMkLst>
+        <pc:spChg chg="mod">
+          <ac:chgData name="Ray Ng" userId="accc31b35ee90b01" providerId="LiveId" clId="{4E9A0CC3-68BA-40AB-B32F-23AF7F7AAA13}" dt="2022-06-19T00:18:22.666" v="966" actId="20577"/>
+          <ac:spMkLst>
+            <pc:docMk/>
+            <pc:sldMk cId="3319724414" sldId="285"/>
+            <ac:spMk id="3" creationId="{60B3D5A6-E766-7C41-BD00-B22DA4727FBA}"/>
+          </ac:spMkLst>
+        </pc:spChg>
+        <pc:picChg chg="mod">
+          <ac:chgData name="Ray Ng" userId="accc31b35ee90b01" providerId="LiveId" clId="{4E9A0CC3-68BA-40AB-B32F-23AF7F7AAA13}" dt="2022-06-19T00:29:09.250" v="972" actId="14826"/>
+          <ac:picMkLst>
+            <pc:docMk/>
+            <pc:sldMk cId="3319724414" sldId="285"/>
+            <ac:picMk id="6" creationId="{67F15852-BFAB-1E75-6C04-493F2111FF72}"/>
+          </ac:picMkLst>
+        </pc:picChg>
+        <pc:picChg chg="add del mod">
+          <ac:chgData name="Ray Ng" userId="accc31b35ee90b01" providerId="LiveId" clId="{4E9A0CC3-68BA-40AB-B32F-23AF7F7AAA13}" dt="2022-06-19T00:29:03.493" v="971" actId="931"/>
+          <ac:picMkLst>
+            <pc:docMk/>
+            <pc:sldMk cId="3319724414" sldId="285"/>
+            <ac:picMk id="8" creationId="{3DDD46E8-F51A-6F3F-3F13-704BC573DA9B}"/>
+          </ac:picMkLst>
+        </pc:picChg>
+      </pc:sldChg>
+      <pc:sldChg chg="new del">
+        <pc:chgData name="Ray Ng" userId="accc31b35ee90b01" providerId="LiveId" clId="{4E9A0CC3-68BA-40AB-B32F-23AF7F7AAA13}" dt="2022-06-19T01:46:54.569" v="974" actId="680"/>
+        <pc:sldMkLst>
+          <pc:docMk/>
+          <pc:sldMk cId="3769933477" sldId="286"/>
+        </pc:sldMkLst>
+      </pc:sldChg>
+      <pc:sldChg chg="addSp delSp modSp add mod">
+        <pc:chgData name="Ray Ng" userId="accc31b35ee90b01" providerId="LiveId" clId="{4E9A0CC3-68BA-40AB-B32F-23AF7F7AAA13}" dt="2022-06-19T01:51:13.678" v="1137" actId="14826"/>
+        <pc:sldMkLst>
+          <pc:docMk/>
+          <pc:sldMk cId="4046910359" sldId="286"/>
+        </pc:sldMkLst>
+        <pc:spChg chg="mod">
+          <ac:chgData name="Ray Ng" userId="accc31b35ee90b01" providerId="LiveId" clId="{4E9A0CC3-68BA-40AB-B32F-23AF7F7AAA13}" dt="2022-06-19T01:50:58.645" v="1130" actId="20577"/>
+          <ac:spMkLst>
+            <pc:docMk/>
+            <pc:sldMk cId="4046910359" sldId="286"/>
+            <ac:spMk id="3" creationId="{60B3D5A6-E766-7C41-BD00-B22DA4727FBA}"/>
+          </ac:spMkLst>
+        </pc:spChg>
+        <pc:picChg chg="add mod">
+          <ac:chgData name="Ray Ng" userId="accc31b35ee90b01" providerId="LiveId" clId="{4E9A0CC3-68BA-40AB-B32F-23AF7F7AAA13}" dt="2022-06-19T01:51:10.322" v="1136" actId="14826"/>
+          <ac:picMkLst>
+            <pc:docMk/>
+            <pc:sldMk cId="4046910359" sldId="286"/>
+            <ac:picMk id="6" creationId="{552FCB39-A184-BF87-06A1-4FACD944A110}"/>
+          </ac:picMkLst>
+        </pc:picChg>
+        <pc:picChg chg="add mod">
+          <ac:chgData name="Ray Ng" userId="accc31b35ee90b01" providerId="LiveId" clId="{4E9A0CC3-68BA-40AB-B32F-23AF7F7AAA13}" dt="2022-06-19T01:51:13.678" v="1137" actId="14826"/>
+          <ac:picMkLst>
+            <pc:docMk/>
+            <pc:sldMk cId="4046910359" sldId="286"/>
+            <ac:picMk id="8" creationId="{1394D86B-353F-CCC0-3744-62E230CAFBA8}"/>
+          </ac:picMkLst>
+        </pc:picChg>
+        <pc:picChg chg="del">
+          <ac:chgData name="Ray Ng" userId="accc31b35ee90b01" providerId="LiveId" clId="{4E9A0CC3-68BA-40AB-B32F-23AF7F7AAA13}" dt="2022-06-19T01:47:10.871" v="1023" actId="478"/>
+          <ac:picMkLst>
+            <pc:docMk/>
+            <pc:sldMk cId="4046910359" sldId="286"/>
+            <ac:picMk id="9" creationId="{6DFF0572-9BEF-3106-876D-5407E9E95034}"/>
+          </ac:picMkLst>
+        </pc:picChg>
+        <pc:picChg chg="add del mod">
+          <ac:chgData name="Ray Ng" userId="accc31b35ee90b01" providerId="LiveId" clId="{4E9A0CC3-68BA-40AB-B32F-23AF7F7AAA13}" dt="2022-06-19T01:51:07.013" v="1135" actId="931"/>
+          <ac:picMkLst>
+            <pc:docMk/>
+            <pc:sldMk cId="4046910359" sldId="286"/>
+            <ac:picMk id="11" creationId="{1DFEC916-B3CD-9F0E-B84F-4B384772395D}"/>
+          </ac:picMkLst>
+        </pc:picChg>
+      </pc:sldChg>
     </pc:docChg>
   </pc:docChgLst>
 </pc:chgInfo>
@@ -308,7 +426,7 @@
           <a:p>
             <a:fld id="{C764DE79-268F-4C1A-8933-263129D2AF90}" type="datetimeFigureOut">
               <a:rPr lang="en-US" dirty="0"/>
-              <a:t>6/16/2022</a:t>
+              <a:t>6/18/2022</a:t>
             </a:fld>
             <a:endParaRPr lang="en-US"/>
           </a:p>
@@ -476,7 +594,7 @@
           <a:p>
             <a:fld id="{C764DE79-268F-4C1A-8933-263129D2AF90}" type="datetimeFigureOut">
               <a:rPr lang="en-US" dirty="0"/>
-              <a:t>6/16/2022</a:t>
+              <a:t>6/18/2022</a:t>
             </a:fld>
             <a:endParaRPr lang="en-US"/>
           </a:p>
@@ -654,7 +772,7 @@
           <a:p>
             <a:fld id="{C764DE79-268F-4C1A-8933-263129D2AF90}" type="datetimeFigureOut">
               <a:rPr lang="en-US" dirty="0"/>
-              <a:t>6/16/2022</a:t>
+              <a:t>6/18/2022</a:t>
             </a:fld>
             <a:endParaRPr lang="en-US"/>
           </a:p>
@@ -822,7 +940,7 @@
           <a:p>
             <a:fld id="{C764DE79-268F-4C1A-8933-263129D2AF90}" type="datetimeFigureOut">
               <a:rPr lang="en-US" dirty="0"/>
-              <a:t>6/16/2022</a:t>
+              <a:t>6/18/2022</a:t>
             </a:fld>
             <a:endParaRPr lang="en-US"/>
           </a:p>
@@ -1067,7 +1185,7 @@
           <a:p>
             <a:fld id="{C764DE79-268F-4C1A-8933-263129D2AF90}" type="datetimeFigureOut">
               <a:rPr lang="en-US" dirty="0"/>
-              <a:t>6/16/2022</a:t>
+              <a:t>6/18/2022</a:t>
             </a:fld>
             <a:endParaRPr lang="en-US"/>
           </a:p>
@@ -1296,7 +1414,7 @@
           <a:p>
             <a:fld id="{C764DE79-268F-4C1A-8933-263129D2AF90}" type="datetimeFigureOut">
               <a:rPr lang="en-US" dirty="0"/>
-              <a:t>6/16/2022</a:t>
+              <a:t>6/18/2022</a:t>
             </a:fld>
             <a:endParaRPr lang="en-US"/>
           </a:p>
@@ -1660,7 +1778,7 @@
           <a:p>
             <a:fld id="{C764DE79-268F-4C1A-8933-263129D2AF90}" type="datetimeFigureOut">
               <a:rPr lang="en-US" dirty="0"/>
-              <a:t>6/16/2022</a:t>
+              <a:t>6/18/2022</a:t>
             </a:fld>
             <a:endParaRPr lang="en-US"/>
           </a:p>
@@ -1777,7 +1895,7 @@
           <a:p>
             <a:fld id="{C764DE79-268F-4C1A-8933-263129D2AF90}" type="datetimeFigureOut">
               <a:rPr lang="en-US" dirty="0"/>
-              <a:t>6/16/2022</a:t>
+              <a:t>6/18/2022</a:t>
             </a:fld>
             <a:endParaRPr lang="en-US"/>
           </a:p>
@@ -1872,7 +1990,7 @@
           <a:p>
             <a:fld id="{C764DE79-268F-4C1A-8933-263129D2AF90}" type="datetimeFigureOut">
               <a:rPr lang="en-US" dirty="0"/>
-              <a:t>6/16/2022</a:t>
+              <a:t>6/18/2022</a:t>
             </a:fld>
             <a:endParaRPr lang="en-US"/>
           </a:p>
@@ -2147,7 +2265,7 @@
           <a:p>
             <a:fld id="{C764DE79-268F-4C1A-8933-263129D2AF90}" type="datetimeFigureOut">
               <a:rPr lang="en-US" dirty="0"/>
-              <a:t>6/16/2022</a:t>
+              <a:t>6/18/2022</a:t>
             </a:fld>
             <a:endParaRPr lang="en-US"/>
           </a:p>
@@ -2402,7 +2520,7 @@
           <a:p>
             <a:fld id="{C764DE79-268F-4C1A-8933-263129D2AF90}" type="datetimeFigureOut">
               <a:rPr lang="en-US" dirty="0"/>
-              <a:t>6/16/2022</a:t>
+              <a:t>6/18/2022</a:t>
             </a:fld>
             <a:endParaRPr lang="en-US"/>
           </a:p>
@@ -2613,7 +2731,7 @@
           <a:p>
             <a:fld id="{C764DE79-268F-4C1A-8933-263129D2AF90}" type="datetimeFigureOut">
               <a:rPr lang="en-US" dirty="0"/>
-              <a:t>6/16/2022</a:t>
+              <a:t>6/18/2022</a:t>
             </a:fld>
             <a:endParaRPr lang="en-US"/>
           </a:p>
@@ -3238,7 +3356,57 @@
                   <a:srgbClr val="FF6600"/>
                 </a:solidFill>
               </a:rPr>
-              <a:t>Profit Distribution of Trips</a:t>
+              <a:t>Profit based on distance (km):</a:t>
+            </a:r>
+          </a:p>
+          <a:p>
+            <a:pPr marL="342900" indent="-342900" algn="l">
+              <a:buFont typeface="Arial" panose="020B0604020202020204" pitchFamily="34" charset="0"/>
+              <a:buChar char="•"/>
+            </a:pPr>
+            <a:r>
+              <a:rPr lang="en-US" dirty="0">
+                <a:solidFill>
+                  <a:srgbClr val="FF6600"/>
+                </a:solidFill>
+              </a:rPr>
+              <a:t>Pink Cab Average: $2.81/km</a:t>
+            </a:r>
+          </a:p>
+          <a:p>
+            <a:pPr marL="342900" indent="-342900" algn="l">
+              <a:buFont typeface="Arial" panose="020B0604020202020204" pitchFamily="34" charset="0"/>
+              <a:buChar char="•"/>
+            </a:pPr>
+            <a:r>
+              <a:rPr lang="en-US" dirty="0">
+                <a:solidFill>
+                  <a:srgbClr val="FF6600"/>
+                </a:solidFill>
+              </a:rPr>
+              <a:t>Yellow Cab Average: $7.07/km</a:t>
+            </a:r>
+          </a:p>
+          <a:p>
+            <a:pPr marL="342900" indent="-342900" algn="l">
+              <a:buFont typeface="Arial" panose="020B0604020202020204" pitchFamily="34" charset="0"/>
+              <a:buChar char="•"/>
+            </a:pPr>
+            <a:endParaRPr lang="en-US" dirty="0">
+              <a:solidFill>
+                <a:srgbClr val="FF6600"/>
+              </a:solidFill>
+            </a:endParaRPr>
+          </a:p>
+          <a:p>
+            <a:pPr algn="l"/>
+            <a:r>
+              <a:rPr lang="en-US" dirty="0">
+                <a:solidFill>
+                  <a:srgbClr val="FF6600"/>
+                </a:solidFill>
+              </a:rPr>
+              <a:t>(Profit per km independent of distance)</a:t>
             </a:r>
           </a:p>
         </p:txBody>
@@ -3281,10 +3449,10 @@
       </p:pic>
       <p:pic>
         <p:nvPicPr>
-          <p:cNvPr id="7" name="Picture 6" descr="Chart, histogram&#10;&#10;Description automatically generated">
+          <p:cNvPr id="6" name="Picture 5" descr="Chart, scatter chart&#10;&#10;Description automatically generated">
             <a:extLst>
               <a:ext uri="{FF2B5EF4-FFF2-40B4-BE49-F238E27FC236}">
-                <a16:creationId xmlns:a16="http://schemas.microsoft.com/office/drawing/2014/main" id="{A23930A2-4085-84A8-4615-6EEB7A204875}"/>
+                <a16:creationId xmlns:a16="http://schemas.microsoft.com/office/drawing/2014/main" id="{A3FE2C3D-73B8-FCD6-AF12-AF6B66C809B7}"/>
               </a:ext>
             </a:extLst>
           </p:cNvPr>
@@ -3307,462 +3475,18 @@
         </p:blipFill>
         <p:spPr>
           <a:xfrm>
-            <a:off x="365334" y="2132276"/>
-            <a:ext cx="5092063" cy="3339682"/>
+            <a:off x="5263153" y="1791829"/>
+            <a:ext cx="6612096" cy="4320123"/>
           </a:xfrm>
           <a:prstGeom prst="rect">
             <a:avLst/>
           </a:prstGeom>
         </p:spPr>
       </p:pic>
-      <p:pic>
-        <p:nvPicPr>
-          <p:cNvPr id="9" name="Picture 8" descr="Chart, histogram&#10;&#10;Description automatically generated">
-            <a:extLst>
-              <a:ext uri="{FF2B5EF4-FFF2-40B4-BE49-F238E27FC236}">
-                <a16:creationId xmlns:a16="http://schemas.microsoft.com/office/drawing/2014/main" id="{AEF2DC3D-6D43-4296-E769-29DB1BDED25D}"/>
-              </a:ext>
-            </a:extLst>
-          </p:cNvPr>
-          <p:cNvPicPr>
-            <a:picLocks noChangeAspect="1"/>
-          </p:cNvPicPr>
-          <p:nvPr/>
-        </p:nvPicPr>
-        <p:blipFill>
-          <a:blip r:embed="rId4">
-            <a:extLst>
-              <a:ext uri="{28A0092B-C50C-407E-A947-70E740481C1C}">
-                <a14:useLocalDpi xmlns:a14="http://schemas.microsoft.com/office/drawing/2010/main" val="0"/>
-              </a:ext>
-            </a:extLst>
-          </a:blip>
-          <a:stretch>
-            <a:fillRect/>
-          </a:stretch>
-        </p:blipFill>
-        <p:spPr>
-          <a:xfrm>
-            <a:off x="5816494" y="2132276"/>
-            <a:ext cx="5168254" cy="3326984"/>
-          </a:xfrm>
-          <a:prstGeom prst="rect">
-            <a:avLst/>
-          </a:prstGeom>
-        </p:spPr>
-      </p:pic>
-      <p:sp>
-        <p:nvSpPr>
-          <p:cNvPr id="10" name="Subtitle 2">
-            <a:extLst>
-              <a:ext uri="{FF2B5EF4-FFF2-40B4-BE49-F238E27FC236}">
-                <a16:creationId xmlns:a16="http://schemas.microsoft.com/office/drawing/2014/main" id="{0CB16223-6257-A5CC-10E1-0FC41820B385}"/>
-              </a:ext>
-            </a:extLst>
-          </p:cNvPr>
-          <p:cNvSpPr txBox="1">
-            <a:spLocks/>
-          </p:cNvSpPr>
-          <p:nvPr/>
-        </p:nvSpPr>
-        <p:spPr>
-          <a:xfrm rot="5400000">
-            <a:off x="2381658" y="3318900"/>
-            <a:ext cx="922680" cy="5228798"/>
-          </a:xfrm>
-          <a:prstGeom prst="rect">
-            <a:avLst/>
-          </a:prstGeom>
-        </p:spPr>
-        <p:txBody>
-          <a:bodyPr vert="vert270" lIns="91440" tIns="45720" rIns="91440" bIns="45720" rtlCol="0">
-            <a:normAutofit/>
-          </a:bodyPr>
-          <a:lstStyle>
-            <a:lvl1pPr marL="0" indent="0" algn="ctr" defTabSz="914400" rtl="0" eaLnBrk="1" latinLnBrk="0" hangingPunct="1">
-              <a:lnSpc>
-                <a:spcPct val="90000"/>
-              </a:lnSpc>
-              <a:spcBef>
-                <a:spcPts val="1000"/>
-              </a:spcBef>
-              <a:buFont typeface="Arial" panose="020B0604020202020204" pitchFamily="34" charset="0"/>
-              <a:buNone/>
-              <a:defRPr sz="2400" kern="1200">
-                <a:solidFill>
-                  <a:schemeClr val="tx1"/>
-                </a:solidFill>
-                <a:latin typeface="+mn-lt"/>
-                <a:ea typeface="+mn-ea"/>
-                <a:cs typeface="+mn-cs"/>
-              </a:defRPr>
-            </a:lvl1pPr>
-            <a:lvl2pPr marL="457200" indent="0" algn="ctr" defTabSz="914400" rtl="0" eaLnBrk="1" latinLnBrk="0" hangingPunct="1">
-              <a:lnSpc>
-                <a:spcPct val="90000"/>
-              </a:lnSpc>
-              <a:spcBef>
-                <a:spcPts val="500"/>
-              </a:spcBef>
-              <a:buFont typeface="Arial" panose="020B0604020202020204" pitchFamily="34" charset="0"/>
-              <a:buNone/>
-              <a:defRPr sz="2000" kern="1200">
-                <a:solidFill>
-                  <a:schemeClr val="tx1"/>
-                </a:solidFill>
-                <a:latin typeface="+mn-lt"/>
-                <a:ea typeface="+mn-ea"/>
-                <a:cs typeface="+mn-cs"/>
-              </a:defRPr>
-            </a:lvl2pPr>
-            <a:lvl3pPr marL="914400" indent="0" algn="ctr" defTabSz="914400" rtl="0" eaLnBrk="1" latinLnBrk="0" hangingPunct="1">
-              <a:lnSpc>
-                <a:spcPct val="90000"/>
-              </a:lnSpc>
-              <a:spcBef>
-                <a:spcPts val="500"/>
-              </a:spcBef>
-              <a:buFont typeface="Arial" panose="020B0604020202020204" pitchFamily="34" charset="0"/>
-              <a:buNone/>
-              <a:defRPr sz="1800" kern="1200">
-                <a:solidFill>
-                  <a:schemeClr val="tx1"/>
-                </a:solidFill>
-                <a:latin typeface="+mn-lt"/>
-                <a:ea typeface="+mn-ea"/>
-                <a:cs typeface="+mn-cs"/>
-              </a:defRPr>
-            </a:lvl3pPr>
-            <a:lvl4pPr marL="1371600" indent="0" algn="ctr" defTabSz="914400" rtl="0" eaLnBrk="1" latinLnBrk="0" hangingPunct="1">
-              <a:lnSpc>
-                <a:spcPct val="90000"/>
-              </a:lnSpc>
-              <a:spcBef>
-                <a:spcPts val="500"/>
-              </a:spcBef>
-              <a:buFont typeface="Arial" panose="020B0604020202020204" pitchFamily="34" charset="0"/>
-              <a:buNone/>
-              <a:defRPr sz="1600" kern="1200">
-                <a:solidFill>
-                  <a:schemeClr val="tx1"/>
-                </a:solidFill>
-                <a:latin typeface="+mn-lt"/>
-                <a:ea typeface="+mn-ea"/>
-                <a:cs typeface="+mn-cs"/>
-              </a:defRPr>
-            </a:lvl4pPr>
-            <a:lvl5pPr marL="1828800" indent="0" algn="ctr" defTabSz="914400" rtl="0" eaLnBrk="1" latinLnBrk="0" hangingPunct="1">
-              <a:lnSpc>
-                <a:spcPct val="90000"/>
-              </a:lnSpc>
-              <a:spcBef>
-                <a:spcPts val="500"/>
-              </a:spcBef>
-              <a:buFont typeface="Arial" panose="020B0604020202020204" pitchFamily="34" charset="0"/>
-              <a:buNone/>
-              <a:defRPr sz="1600" kern="1200">
-                <a:solidFill>
-                  <a:schemeClr val="tx1"/>
-                </a:solidFill>
-                <a:latin typeface="+mn-lt"/>
-                <a:ea typeface="+mn-ea"/>
-                <a:cs typeface="+mn-cs"/>
-              </a:defRPr>
-            </a:lvl5pPr>
-            <a:lvl6pPr marL="2286000" indent="0" algn="ctr" defTabSz="914400" rtl="0" eaLnBrk="1" latinLnBrk="0" hangingPunct="1">
-              <a:lnSpc>
-                <a:spcPct val="90000"/>
-              </a:lnSpc>
-              <a:spcBef>
-                <a:spcPts val="500"/>
-              </a:spcBef>
-              <a:buFont typeface="Arial" panose="020B0604020202020204" pitchFamily="34" charset="0"/>
-              <a:buNone/>
-              <a:defRPr sz="1600" kern="1200">
-                <a:solidFill>
-                  <a:schemeClr val="tx1"/>
-                </a:solidFill>
-                <a:latin typeface="+mn-lt"/>
-                <a:ea typeface="+mn-ea"/>
-                <a:cs typeface="+mn-cs"/>
-              </a:defRPr>
-            </a:lvl6pPr>
-            <a:lvl7pPr marL="2743200" indent="0" algn="ctr" defTabSz="914400" rtl="0" eaLnBrk="1" latinLnBrk="0" hangingPunct="1">
-              <a:lnSpc>
-                <a:spcPct val="90000"/>
-              </a:lnSpc>
-              <a:spcBef>
-                <a:spcPts val="500"/>
-              </a:spcBef>
-              <a:buFont typeface="Arial" panose="020B0604020202020204" pitchFamily="34" charset="0"/>
-              <a:buNone/>
-              <a:defRPr sz="1600" kern="1200">
-                <a:solidFill>
-                  <a:schemeClr val="tx1"/>
-                </a:solidFill>
-                <a:latin typeface="+mn-lt"/>
-                <a:ea typeface="+mn-ea"/>
-                <a:cs typeface="+mn-cs"/>
-              </a:defRPr>
-            </a:lvl7pPr>
-            <a:lvl8pPr marL="3200400" indent="0" algn="ctr" defTabSz="914400" rtl="0" eaLnBrk="1" latinLnBrk="0" hangingPunct="1">
-              <a:lnSpc>
-                <a:spcPct val="90000"/>
-              </a:lnSpc>
-              <a:spcBef>
-                <a:spcPts val="500"/>
-              </a:spcBef>
-              <a:buFont typeface="Arial" panose="020B0604020202020204" pitchFamily="34" charset="0"/>
-              <a:buNone/>
-              <a:defRPr sz="1600" kern="1200">
-                <a:solidFill>
-                  <a:schemeClr val="tx1"/>
-                </a:solidFill>
-                <a:latin typeface="+mn-lt"/>
-                <a:ea typeface="+mn-ea"/>
-                <a:cs typeface="+mn-cs"/>
-              </a:defRPr>
-            </a:lvl8pPr>
-            <a:lvl9pPr marL="3657600" indent="0" algn="ctr" defTabSz="914400" rtl="0" eaLnBrk="1" latinLnBrk="0" hangingPunct="1">
-              <a:lnSpc>
-                <a:spcPct val="90000"/>
-              </a:lnSpc>
-              <a:spcBef>
-                <a:spcPts val="500"/>
-              </a:spcBef>
-              <a:buFont typeface="Arial" panose="020B0604020202020204" pitchFamily="34" charset="0"/>
-              <a:buNone/>
-              <a:defRPr sz="1600" kern="1200">
-                <a:solidFill>
-                  <a:schemeClr val="tx1"/>
-                </a:solidFill>
-                <a:latin typeface="+mn-lt"/>
-                <a:ea typeface="+mn-ea"/>
-                <a:cs typeface="+mn-cs"/>
-              </a:defRPr>
-            </a:lvl9pPr>
-          </a:lstStyle>
-          <a:p>
-            <a:pPr algn="l"/>
-            <a:r>
-              <a:rPr lang="en-US" sz="1600" dirty="0">
-                <a:solidFill>
-                  <a:srgbClr val="FF6600"/>
-                </a:solidFill>
-              </a:rPr>
-              <a:t>Pink Cab: 13.14% of trips ended in an overall loss</a:t>
-            </a:r>
-          </a:p>
-        </p:txBody>
-      </p:sp>
-      <p:sp>
-        <p:nvSpPr>
-          <p:cNvPr id="11" name="Subtitle 2">
-            <a:extLst>
-              <a:ext uri="{FF2B5EF4-FFF2-40B4-BE49-F238E27FC236}">
-                <a16:creationId xmlns:a16="http://schemas.microsoft.com/office/drawing/2014/main" id="{89A347AA-DA95-7547-0461-169C3861B835}"/>
-              </a:ext>
-            </a:extLst>
-          </p:cNvPr>
-          <p:cNvSpPr txBox="1">
-            <a:spLocks/>
-          </p:cNvSpPr>
-          <p:nvPr/>
-        </p:nvSpPr>
-        <p:spPr>
-          <a:xfrm rot="5400000">
-            <a:off x="7939280" y="3315420"/>
-            <a:ext cx="922680" cy="5168254"/>
-          </a:xfrm>
-          <a:prstGeom prst="rect">
-            <a:avLst/>
-          </a:prstGeom>
-        </p:spPr>
-        <p:txBody>
-          <a:bodyPr vert="vert270" lIns="91440" tIns="45720" rIns="91440" bIns="45720" rtlCol="0">
-            <a:normAutofit/>
-          </a:bodyPr>
-          <a:lstStyle>
-            <a:lvl1pPr marL="0" indent="0" algn="ctr" defTabSz="914400" rtl="0" eaLnBrk="1" latinLnBrk="0" hangingPunct="1">
-              <a:lnSpc>
-                <a:spcPct val="90000"/>
-              </a:lnSpc>
-              <a:spcBef>
-                <a:spcPts val="1000"/>
-              </a:spcBef>
-              <a:buFont typeface="Arial" panose="020B0604020202020204" pitchFamily="34" charset="0"/>
-              <a:buNone/>
-              <a:defRPr sz="2400" kern="1200">
-                <a:solidFill>
-                  <a:schemeClr val="tx1"/>
-                </a:solidFill>
-                <a:latin typeface="+mn-lt"/>
-                <a:ea typeface="+mn-ea"/>
-                <a:cs typeface="+mn-cs"/>
-              </a:defRPr>
-            </a:lvl1pPr>
-            <a:lvl2pPr marL="457200" indent="0" algn="ctr" defTabSz="914400" rtl="0" eaLnBrk="1" latinLnBrk="0" hangingPunct="1">
-              <a:lnSpc>
-                <a:spcPct val="90000"/>
-              </a:lnSpc>
-              <a:spcBef>
-                <a:spcPts val="500"/>
-              </a:spcBef>
-              <a:buFont typeface="Arial" panose="020B0604020202020204" pitchFamily="34" charset="0"/>
-              <a:buNone/>
-              <a:defRPr sz="2000" kern="1200">
-                <a:solidFill>
-                  <a:schemeClr val="tx1"/>
-                </a:solidFill>
-                <a:latin typeface="+mn-lt"/>
-                <a:ea typeface="+mn-ea"/>
-                <a:cs typeface="+mn-cs"/>
-              </a:defRPr>
-            </a:lvl2pPr>
-            <a:lvl3pPr marL="914400" indent="0" algn="ctr" defTabSz="914400" rtl="0" eaLnBrk="1" latinLnBrk="0" hangingPunct="1">
-              <a:lnSpc>
-                <a:spcPct val="90000"/>
-              </a:lnSpc>
-              <a:spcBef>
-                <a:spcPts val="500"/>
-              </a:spcBef>
-              <a:buFont typeface="Arial" panose="020B0604020202020204" pitchFamily="34" charset="0"/>
-              <a:buNone/>
-              <a:defRPr sz="1800" kern="1200">
-                <a:solidFill>
-                  <a:schemeClr val="tx1"/>
-                </a:solidFill>
-                <a:latin typeface="+mn-lt"/>
-                <a:ea typeface="+mn-ea"/>
-                <a:cs typeface="+mn-cs"/>
-              </a:defRPr>
-            </a:lvl3pPr>
-            <a:lvl4pPr marL="1371600" indent="0" algn="ctr" defTabSz="914400" rtl="0" eaLnBrk="1" latinLnBrk="0" hangingPunct="1">
-              <a:lnSpc>
-                <a:spcPct val="90000"/>
-              </a:lnSpc>
-              <a:spcBef>
-                <a:spcPts val="500"/>
-              </a:spcBef>
-              <a:buFont typeface="Arial" panose="020B0604020202020204" pitchFamily="34" charset="0"/>
-              <a:buNone/>
-              <a:defRPr sz="1600" kern="1200">
-                <a:solidFill>
-                  <a:schemeClr val="tx1"/>
-                </a:solidFill>
-                <a:latin typeface="+mn-lt"/>
-                <a:ea typeface="+mn-ea"/>
-                <a:cs typeface="+mn-cs"/>
-              </a:defRPr>
-            </a:lvl4pPr>
-            <a:lvl5pPr marL="1828800" indent="0" algn="ctr" defTabSz="914400" rtl="0" eaLnBrk="1" latinLnBrk="0" hangingPunct="1">
-              <a:lnSpc>
-                <a:spcPct val="90000"/>
-              </a:lnSpc>
-              <a:spcBef>
-                <a:spcPts val="500"/>
-              </a:spcBef>
-              <a:buFont typeface="Arial" panose="020B0604020202020204" pitchFamily="34" charset="0"/>
-              <a:buNone/>
-              <a:defRPr sz="1600" kern="1200">
-                <a:solidFill>
-                  <a:schemeClr val="tx1"/>
-                </a:solidFill>
-                <a:latin typeface="+mn-lt"/>
-                <a:ea typeface="+mn-ea"/>
-                <a:cs typeface="+mn-cs"/>
-              </a:defRPr>
-            </a:lvl5pPr>
-            <a:lvl6pPr marL="2286000" indent="0" algn="ctr" defTabSz="914400" rtl="0" eaLnBrk="1" latinLnBrk="0" hangingPunct="1">
-              <a:lnSpc>
-                <a:spcPct val="90000"/>
-              </a:lnSpc>
-              <a:spcBef>
-                <a:spcPts val="500"/>
-              </a:spcBef>
-              <a:buFont typeface="Arial" panose="020B0604020202020204" pitchFamily="34" charset="0"/>
-              <a:buNone/>
-              <a:defRPr sz="1600" kern="1200">
-                <a:solidFill>
-                  <a:schemeClr val="tx1"/>
-                </a:solidFill>
-                <a:latin typeface="+mn-lt"/>
-                <a:ea typeface="+mn-ea"/>
-                <a:cs typeface="+mn-cs"/>
-              </a:defRPr>
-            </a:lvl6pPr>
-            <a:lvl7pPr marL="2743200" indent="0" algn="ctr" defTabSz="914400" rtl="0" eaLnBrk="1" latinLnBrk="0" hangingPunct="1">
-              <a:lnSpc>
-                <a:spcPct val="90000"/>
-              </a:lnSpc>
-              <a:spcBef>
-                <a:spcPts val="500"/>
-              </a:spcBef>
-              <a:buFont typeface="Arial" panose="020B0604020202020204" pitchFamily="34" charset="0"/>
-              <a:buNone/>
-              <a:defRPr sz="1600" kern="1200">
-                <a:solidFill>
-                  <a:schemeClr val="tx1"/>
-                </a:solidFill>
-                <a:latin typeface="+mn-lt"/>
-                <a:ea typeface="+mn-ea"/>
-                <a:cs typeface="+mn-cs"/>
-              </a:defRPr>
-            </a:lvl7pPr>
-            <a:lvl8pPr marL="3200400" indent="0" algn="ctr" defTabSz="914400" rtl="0" eaLnBrk="1" latinLnBrk="0" hangingPunct="1">
-              <a:lnSpc>
-                <a:spcPct val="90000"/>
-              </a:lnSpc>
-              <a:spcBef>
-                <a:spcPts val="500"/>
-              </a:spcBef>
-              <a:buFont typeface="Arial" panose="020B0604020202020204" pitchFamily="34" charset="0"/>
-              <a:buNone/>
-              <a:defRPr sz="1600" kern="1200">
-                <a:solidFill>
-                  <a:schemeClr val="tx1"/>
-                </a:solidFill>
-                <a:latin typeface="+mn-lt"/>
-                <a:ea typeface="+mn-ea"/>
-                <a:cs typeface="+mn-cs"/>
-              </a:defRPr>
-            </a:lvl8pPr>
-            <a:lvl9pPr marL="3657600" indent="0" algn="ctr" defTabSz="914400" rtl="0" eaLnBrk="1" latinLnBrk="0" hangingPunct="1">
-              <a:lnSpc>
-                <a:spcPct val="90000"/>
-              </a:lnSpc>
-              <a:spcBef>
-                <a:spcPts val="500"/>
-              </a:spcBef>
-              <a:buFont typeface="Arial" panose="020B0604020202020204" pitchFamily="34" charset="0"/>
-              <a:buNone/>
-              <a:defRPr sz="1600" kern="1200">
-                <a:solidFill>
-                  <a:schemeClr val="tx1"/>
-                </a:solidFill>
-                <a:latin typeface="+mn-lt"/>
-                <a:ea typeface="+mn-ea"/>
-                <a:cs typeface="+mn-cs"/>
-              </a:defRPr>
-            </a:lvl9pPr>
-          </a:lstStyle>
-          <a:p>
-            <a:pPr algn="l"/>
-            <a:r>
-              <a:rPr lang="en-US" sz="1600" dirty="0">
-                <a:solidFill>
-                  <a:srgbClr val="FF6600"/>
-                </a:solidFill>
-              </a:rPr>
-              <a:t>Yellow Cab: 4.98% of trips ended in an overall loss</a:t>
-            </a:r>
-          </a:p>
-        </p:txBody>
-      </p:sp>
     </p:spTree>
     <p:extLst>
       <p:ext uri="{BB962C8B-B14F-4D97-AF65-F5344CB8AC3E}">
-        <p14:creationId xmlns:p14="http://schemas.microsoft.com/office/powerpoint/2010/main" val="2709919788"/>
+        <p14:creationId xmlns:p14="http://schemas.microsoft.com/office/powerpoint/2010/main" val="4128307037"/>
       </p:ext>
     </p:extLst>
   </p:cSld>
@@ -3827,7 +3551,7 @@
                   <a:srgbClr val="FF6600"/>
                 </a:solidFill>
               </a:rPr>
-              <a:t>Seasonal Trends</a:t>
+              <a:t>Profit Analysis of Trips</a:t>
             </a:r>
           </a:p>
         </p:txBody>
@@ -3867,7 +3591,7 @@
                   <a:srgbClr val="FF6600"/>
                 </a:solidFill>
               </a:rPr>
-              <a:t>Monthly Profit between January 2016 and December 2018</a:t>
+              <a:t>Profit Distribution of Trips</a:t>
             </a:r>
           </a:p>
         </p:txBody>
@@ -3910,10 +3634,10 @@
       </p:pic>
       <p:pic>
         <p:nvPicPr>
-          <p:cNvPr id="6" name="Picture 5" descr="Chart, line chart&#10;&#10;Description automatically generated">
+          <p:cNvPr id="7" name="Picture 6" descr="Chart, histogram&#10;&#10;Description automatically generated">
             <a:extLst>
               <a:ext uri="{FF2B5EF4-FFF2-40B4-BE49-F238E27FC236}">
-                <a16:creationId xmlns:a16="http://schemas.microsoft.com/office/drawing/2014/main" id="{B42BC446-1B20-804D-B43D-668BD502F575}"/>
+                <a16:creationId xmlns:a16="http://schemas.microsoft.com/office/drawing/2014/main" id="{A23930A2-4085-84A8-4615-6EEB7A204875}"/>
               </a:ext>
             </a:extLst>
           </p:cNvPr>
@@ -3936,18 +3660,462 @@
         </p:blipFill>
         <p:spPr>
           <a:xfrm>
-            <a:off x="2895867" y="2068427"/>
-            <a:ext cx="6400261" cy="4335661"/>
+            <a:off x="365334" y="2132276"/>
+            <a:ext cx="5092063" cy="3339682"/>
           </a:xfrm>
           <a:prstGeom prst="rect">
             <a:avLst/>
           </a:prstGeom>
         </p:spPr>
       </p:pic>
+      <p:pic>
+        <p:nvPicPr>
+          <p:cNvPr id="9" name="Picture 8" descr="Chart, histogram&#10;&#10;Description automatically generated">
+            <a:extLst>
+              <a:ext uri="{FF2B5EF4-FFF2-40B4-BE49-F238E27FC236}">
+                <a16:creationId xmlns:a16="http://schemas.microsoft.com/office/drawing/2014/main" id="{AEF2DC3D-6D43-4296-E769-29DB1BDED25D}"/>
+              </a:ext>
+            </a:extLst>
+          </p:cNvPr>
+          <p:cNvPicPr>
+            <a:picLocks noChangeAspect="1"/>
+          </p:cNvPicPr>
+          <p:nvPr/>
+        </p:nvPicPr>
+        <p:blipFill>
+          <a:blip r:embed="rId4">
+            <a:extLst>
+              <a:ext uri="{28A0092B-C50C-407E-A947-70E740481C1C}">
+                <a14:useLocalDpi xmlns:a14="http://schemas.microsoft.com/office/drawing/2010/main" val="0"/>
+              </a:ext>
+            </a:extLst>
+          </a:blip>
+          <a:stretch>
+            <a:fillRect/>
+          </a:stretch>
+        </p:blipFill>
+        <p:spPr>
+          <a:xfrm>
+            <a:off x="5816494" y="2132276"/>
+            <a:ext cx="5168254" cy="3326984"/>
+          </a:xfrm>
+          <a:prstGeom prst="rect">
+            <a:avLst/>
+          </a:prstGeom>
+        </p:spPr>
+      </p:pic>
+      <p:sp>
+        <p:nvSpPr>
+          <p:cNvPr id="10" name="Subtitle 2">
+            <a:extLst>
+              <a:ext uri="{FF2B5EF4-FFF2-40B4-BE49-F238E27FC236}">
+                <a16:creationId xmlns:a16="http://schemas.microsoft.com/office/drawing/2014/main" id="{0CB16223-6257-A5CC-10E1-0FC41820B385}"/>
+              </a:ext>
+            </a:extLst>
+          </p:cNvPr>
+          <p:cNvSpPr txBox="1">
+            <a:spLocks/>
+          </p:cNvSpPr>
+          <p:nvPr/>
+        </p:nvSpPr>
+        <p:spPr>
+          <a:xfrm rot="5400000">
+            <a:off x="2381658" y="3318900"/>
+            <a:ext cx="922680" cy="5228798"/>
+          </a:xfrm>
+          <a:prstGeom prst="rect">
+            <a:avLst/>
+          </a:prstGeom>
+        </p:spPr>
+        <p:txBody>
+          <a:bodyPr vert="vert270" lIns="91440" tIns="45720" rIns="91440" bIns="45720" rtlCol="0">
+            <a:normAutofit/>
+          </a:bodyPr>
+          <a:lstStyle>
+            <a:lvl1pPr marL="0" indent="0" algn="ctr" defTabSz="914400" rtl="0" eaLnBrk="1" latinLnBrk="0" hangingPunct="1">
+              <a:lnSpc>
+                <a:spcPct val="90000"/>
+              </a:lnSpc>
+              <a:spcBef>
+                <a:spcPts val="1000"/>
+              </a:spcBef>
+              <a:buFont typeface="Arial" panose="020B0604020202020204" pitchFamily="34" charset="0"/>
+              <a:buNone/>
+              <a:defRPr sz="2400" kern="1200">
+                <a:solidFill>
+                  <a:schemeClr val="tx1"/>
+                </a:solidFill>
+                <a:latin typeface="+mn-lt"/>
+                <a:ea typeface="+mn-ea"/>
+                <a:cs typeface="+mn-cs"/>
+              </a:defRPr>
+            </a:lvl1pPr>
+            <a:lvl2pPr marL="457200" indent="0" algn="ctr" defTabSz="914400" rtl="0" eaLnBrk="1" latinLnBrk="0" hangingPunct="1">
+              <a:lnSpc>
+                <a:spcPct val="90000"/>
+              </a:lnSpc>
+              <a:spcBef>
+                <a:spcPts val="500"/>
+              </a:spcBef>
+              <a:buFont typeface="Arial" panose="020B0604020202020204" pitchFamily="34" charset="0"/>
+              <a:buNone/>
+              <a:defRPr sz="2000" kern="1200">
+                <a:solidFill>
+                  <a:schemeClr val="tx1"/>
+                </a:solidFill>
+                <a:latin typeface="+mn-lt"/>
+                <a:ea typeface="+mn-ea"/>
+                <a:cs typeface="+mn-cs"/>
+              </a:defRPr>
+            </a:lvl2pPr>
+            <a:lvl3pPr marL="914400" indent="0" algn="ctr" defTabSz="914400" rtl="0" eaLnBrk="1" latinLnBrk="0" hangingPunct="1">
+              <a:lnSpc>
+                <a:spcPct val="90000"/>
+              </a:lnSpc>
+              <a:spcBef>
+                <a:spcPts val="500"/>
+              </a:spcBef>
+              <a:buFont typeface="Arial" panose="020B0604020202020204" pitchFamily="34" charset="0"/>
+              <a:buNone/>
+              <a:defRPr sz="1800" kern="1200">
+                <a:solidFill>
+                  <a:schemeClr val="tx1"/>
+                </a:solidFill>
+                <a:latin typeface="+mn-lt"/>
+                <a:ea typeface="+mn-ea"/>
+                <a:cs typeface="+mn-cs"/>
+              </a:defRPr>
+            </a:lvl3pPr>
+            <a:lvl4pPr marL="1371600" indent="0" algn="ctr" defTabSz="914400" rtl="0" eaLnBrk="1" latinLnBrk="0" hangingPunct="1">
+              <a:lnSpc>
+                <a:spcPct val="90000"/>
+              </a:lnSpc>
+              <a:spcBef>
+                <a:spcPts val="500"/>
+              </a:spcBef>
+              <a:buFont typeface="Arial" panose="020B0604020202020204" pitchFamily="34" charset="0"/>
+              <a:buNone/>
+              <a:defRPr sz="1600" kern="1200">
+                <a:solidFill>
+                  <a:schemeClr val="tx1"/>
+                </a:solidFill>
+                <a:latin typeface="+mn-lt"/>
+                <a:ea typeface="+mn-ea"/>
+                <a:cs typeface="+mn-cs"/>
+              </a:defRPr>
+            </a:lvl4pPr>
+            <a:lvl5pPr marL="1828800" indent="0" algn="ctr" defTabSz="914400" rtl="0" eaLnBrk="1" latinLnBrk="0" hangingPunct="1">
+              <a:lnSpc>
+                <a:spcPct val="90000"/>
+              </a:lnSpc>
+              <a:spcBef>
+                <a:spcPts val="500"/>
+              </a:spcBef>
+              <a:buFont typeface="Arial" panose="020B0604020202020204" pitchFamily="34" charset="0"/>
+              <a:buNone/>
+              <a:defRPr sz="1600" kern="1200">
+                <a:solidFill>
+                  <a:schemeClr val="tx1"/>
+                </a:solidFill>
+                <a:latin typeface="+mn-lt"/>
+                <a:ea typeface="+mn-ea"/>
+                <a:cs typeface="+mn-cs"/>
+              </a:defRPr>
+            </a:lvl5pPr>
+            <a:lvl6pPr marL="2286000" indent="0" algn="ctr" defTabSz="914400" rtl="0" eaLnBrk="1" latinLnBrk="0" hangingPunct="1">
+              <a:lnSpc>
+                <a:spcPct val="90000"/>
+              </a:lnSpc>
+              <a:spcBef>
+                <a:spcPts val="500"/>
+              </a:spcBef>
+              <a:buFont typeface="Arial" panose="020B0604020202020204" pitchFamily="34" charset="0"/>
+              <a:buNone/>
+              <a:defRPr sz="1600" kern="1200">
+                <a:solidFill>
+                  <a:schemeClr val="tx1"/>
+                </a:solidFill>
+                <a:latin typeface="+mn-lt"/>
+                <a:ea typeface="+mn-ea"/>
+                <a:cs typeface="+mn-cs"/>
+              </a:defRPr>
+            </a:lvl6pPr>
+            <a:lvl7pPr marL="2743200" indent="0" algn="ctr" defTabSz="914400" rtl="0" eaLnBrk="1" latinLnBrk="0" hangingPunct="1">
+              <a:lnSpc>
+                <a:spcPct val="90000"/>
+              </a:lnSpc>
+              <a:spcBef>
+                <a:spcPts val="500"/>
+              </a:spcBef>
+              <a:buFont typeface="Arial" panose="020B0604020202020204" pitchFamily="34" charset="0"/>
+              <a:buNone/>
+              <a:defRPr sz="1600" kern="1200">
+                <a:solidFill>
+                  <a:schemeClr val="tx1"/>
+                </a:solidFill>
+                <a:latin typeface="+mn-lt"/>
+                <a:ea typeface="+mn-ea"/>
+                <a:cs typeface="+mn-cs"/>
+              </a:defRPr>
+            </a:lvl7pPr>
+            <a:lvl8pPr marL="3200400" indent="0" algn="ctr" defTabSz="914400" rtl="0" eaLnBrk="1" latinLnBrk="0" hangingPunct="1">
+              <a:lnSpc>
+                <a:spcPct val="90000"/>
+              </a:lnSpc>
+              <a:spcBef>
+                <a:spcPts val="500"/>
+              </a:spcBef>
+              <a:buFont typeface="Arial" panose="020B0604020202020204" pitchFamily="34" charset="0"/>
+              <a:buNone/>
+              <a:defRPr sz="1600" kern="1200">
+                <a:solidFill>
+                  <a:schemeClr val="tx1"/>
+                </a:solidFill>
+                <a:latin typeface="+mn-lt"/>
+                <a:ea typeface="+mn-ea"/>
+                <a:cs typeface="+mn-cs"/>
+              </a:defRPr>
+            </a:lvl8pPr>
+            <a:lvl9pPr marL="3657600" indent="0" algn="ctr" defTabSz="914400" rtl="0" eaLnBrk="1" latinLnBrk="0" hangingPunct="1">
+              <a:lnSpc>
+                <a:spcPct val="90000"/>
+              </a:lnSpc>
+              <a:spcBef>
+                <a:spcPts val="500"/>
+              </a:spcBef>
+              <a:buFont typeface="Arial" panose="020B0604020202020204" pitchFamily="34" charset="0"/>
+              <a:buNone/>
+              <a:defRPr sz="1600" kern="1200">
+                <a:solidFill>
+                  <a:schemeClr val="tx1"/>
+                </a:solidFill>
+                <a:latin typeface="+mn-lt"/>
+                <a:ea typeface="+mn-ea"/>
+                <a:cs typeface="+mn-cs"/>
+              </a:defRPr>
+            </a:lvl9pPr>
+          </a:lstStyle>
+          <a:p>
+            <a:pPr algn="l"/>
+            <a:r>
+              <a:rPr lang="en-US" sz="1600" dirty="0">
+                <a:solidFill>
+                  <a:srgbClr val="FF6600"/>
+                </a:solidFill>
+              </a:rPr>
+              <a:t>Pink Cab: 13.14% of trips ended in an overall loss</a:t>
+            </a:r>
+          </a:p>
+        </p:txBody>
+      </p:sp>
+      <p:sp>
+        <p:nvSpPr>
+          <p:cNvPr id="11" name="Subtitle 2">
+            <a:extLst>
+              <a:ext uri="{FF2B5EF4-FFF2-40B4-BE49-F238E27FC236}">
+                <a16:creationId xmlns:a16="http://schemas.microsoft.com/office/drawing/2014/main" id="{89A347AA-DA95-7547-0461-169C3861B835}"/>
+              </a:ext>
+            </a:extLst>
+          </p:cNvPr>
+          <p:cNvSpPr txBox="1">
+            <a:spLocks/>
+          </p:cNvSpPr>
+          <p:nvPr/>
+        </p:nvSpPr>
+        <p:spPr>
+          <a:xfrm rot="5400000">
+            <a:off x="7939280" y="3315420"/>
+            <a:ext cx="922680" cy="5168254"/>
+          </a:xfrm>
+          <a:prstGeom prst="rect">
+            <a:avLst/>
+          </a:prstGeom>
+        </p:spPr>
+        <p:txBody>
+          <a:bodyPr vert="vert270" lIns="91440" tIns="45720" rIns="91440" bIns="45720" rtlCol="0">
+            <a:normAutofit/>
+          </a:bodyPr>
+          <a:lstStyle>
+            <a:lvl1pPr marL="0" indent="0" algn="ctr" defTabSz="914400" rtl="0" eaLnBrk="1" latinLnBrk="0" hangingPunct="1">
+              <a:lnSpc>
+                <a:spcPct val="90000"/>
+              </a:lnSpc>
+              <a:spcBef>
+                <a:spcPts val="1000"/>
+              </a:spcBef>
+              <a:buFont typeface="Arial" panose="020B0604020202020204" pitchFamily="34" charset="0"/>
+              <a:buNone/>
+              <a:defRPr sz="2400" kern="1200">
+                <a:solidFill>
+                  <a:schemeClr val="tx1"/>
+                </a:solidFill>
+                <a:latin typeface="+mn-lt"/>
+                <a:ea typeface="+mn-ea"/>
+                <a:cs typeface="+mn-cs"/>
+              </a:defRPr>
+            </a:lvl1pPr>
+            <a:lvl2pPr marL="457200" indent="0" algn="ctr" defTabSz="914400" rtl="0" eaLnBrk="1" latinLnBrk="0" hangingPunct="1">
+              <a:lnSpc>
+                <a:spcPct val="90000"/>
+              </a:lnSpc>
+              <a:spcBef>
+                <a:spcPts val="500"/>
+              </a:spcBef>
+              <a:buFont typeface="Arial" panose="020B0604020202020204" pitchFamily="34" charset="0"/>
+              <a:buNone/>
+              <a:defRPr sz="2000" kern="1200">
+                <a:solidFill>
+                  <a:schemeClr val="tx1"/>
+                </a:solidFill>
+                <a:latin typeface="+mn-lt"/>
+                <a:ea typeface="+mn-ea"/>
+                <a:cs typeface="+mn-cs"/>
+              </a:defRPr>
+            </a:lvl2pPr>
+            <a:lvl3pPr marL="914400" indent="0" algn="ctr" defTabSz="914400" rtl="0" eaLnBrk="1" latinLnBrk="0" hangingPunct="1">
+              <a:lnSpc>
+                <a:spcPct val="90000"/>
+              </a:lnSpc>
+              <a:spcBef>
+                <a:spcPts val="500"/>
+              </a:spcBef>
+              <a:buFont typeface="Arial" panose="020B0604020202020204" pitchFamily="34" charset="0"/>
+              <a:buNone/>
+              <a:defRPr sz="1800" kern="1200">
+                <a:solidFill>
+                  <a:schemeClr val="tx1"/>
+                </a:solidFill>
+                <a:latin typeface="+mn-lt"/>
+                <a:ea typeface="+mn-ea"/>
+                <a:cs typeface="+mn-cs"/>
+              </a:defRPr>
+            </a:lvl3pPr>
+            <a:lvl4pPr marL="1371600" indent="0" algn="ctr" defTabSz="914400" rtl="0" eaLnBrk="1" latinLnBrk="0" hangingPunct="1">
+              <a:lnSpc>
+                <a:spcPct val="90000"/>
+              </a:lnSpc>
+              <a:spcBef>
+                <a:spcPts val="500"/>
+              </a:spcBef>
+              <a:buFont typeface="Arial" panose="020B0604020202020204" pitchFamily="34" charset="0"/>
+              <a:buNone/>
+              <a:defRPr sz="1600" kern="1200">
+                <a:solidFill>
+                  <a:schemeClr val="tx1"/>
+                </a:solidFill>
+                <a:latin typeface="+mn-lt"/>
+                <a:ea typeface="+mn-ea"/>
+                <a:cs typeface="+mn-cs"/>
+              </a:defRPr>
+            </a:lvl4pPr>
+            <a:lvl5pPr marL="1828800" indent="0" algn="ctr" defTabSz="914400" rtl="0" eaLnBrk="1" latinLnBrk="0" hangingPunct="1">
+              <a:lnSpc>
+                <a:spcPct val="90000"/>
+              </a:lnSpc>
+              <a:spcBef>
+                <a:spcPts val="500"/>
+              </a:spcBef>
+              <a:buFont typeface="Arial" panose="020B0604020202020204" pitchFamily="34" charset="0"/>
+              <a:buNone/>
+              <a:defRPr sz="1600" kern="1200">
+                <a:solidFill>
+                  <a:schemeClr val="tx1"/>
+                </a:solidFill>
+                <a:latin typeface="+mn-lt"/>
+                <a:ea typeface="+mn-ea"/>
+                <a:cs typeface="+mn-cs"/>
+              </a:defRPr>
+            </a:lvl5pPr>
+            <a:lvl6pPr marL="2286000" indent="0" algn="ctr" defTabSz="914400" rtl="0" eaLnBrk="1" latinLnBrk="0" hangingPunct="1">
+              <a:lnSpc>
+                <a:spcPct val="90000"/>
+              </a:lnSpc>
+              <a:spcBef>
+                <a:spcPts val="500"/>
+              </a:spcBef>
+              <a:buFont typeface="Arial" panose="020B0604020202020204" pitchFamily="34" charset="0"/>
+              <a:buNone/>
+              <a:defRPr sz="1600" kern="1200">
+                <a:solidFill>
+                  <a:schemeClr val="tx1"/>
+                </a:solidFill>
+                <a:latin typeface="+mn-lt"/>
+                <a:ea typeface="+mn-ea"/>
+                <a:cs typeface="+mn-cs"/>
+              </a:defRPr>
+            </a:lvl6pPr>
+            <a:lvl7pPr marL="2743200" indent="0" algn="ctr" defTabSz="914400" rtl="0" eaLnBrk="1" latinLnBrk="0" hangingPunct="1">
+              <a:lnSpc>
+                <a:spcPct val="90000"/>
+              </a:lnSpc>
+              <a:spcBef>
+                <a:spcPts val="500"/>
+              </a:spcBef>
+              <a:buFont typeface="Arial" panose="020B0604020202020204" pitchFamily="34" charset="0"/>
+              <a:buNone/>
+              <a:defRPr sz="1600" kern="1200">
+                <a:solidFill>
+                  <a:schemeClr val="tx1"/>
+                </a:solidFill>
+                <a:latin typeface="+mn-lt"/>
+                <a:ea typeface="+mn-ea"/>
+                <a:cs typeface="+mn-cs"/>
+              </a:defRPr>
+            </a:lvl7pPr>
+            <a:lvl8pPr marL="3200400" indent="0" algn="ctr" defTabSz="914400" rtl="0" eaLnBrk="1" latinLnBrk="0" hangingPunct="1">
+              <a:lnSpc>
+                <a:spcPct val="90000"/>
+              </a:lnSpc>
+              <a:spcBef>
+                <a:spcPts val="500"/>
+              </a:spcBef>
+              <a:buFont typeface="Arial" panose="020B0604020202020204" pitchFamily="34" charset="0"/>
+              <a:buNone/>
+              <a:defRPr sz="1600" kern="1200">
+                <a:solidFill>
+                  <a:schemeClr val="tx1"/>
+                </a:solidFill>
+                <a:latin typeface="+mn-lt"/>
+                <a:ea typeface="+mn-ea"/>
+                <a:cs typeface="+mn-cs"/>
+              </a:defRPr>
+            </a:lvl8pPr>
+            <a:lvl9pPr marL="3657600" indent="0" algn="ctr" defTabSz="914400" rtl="0" eaLnBrk="1" latinLnBrk="0" hangingPunct="1">
+              <a:lnSpc>
+                <a:spcPct val="90000"/>
+              </a:lnSpc>
+              <a:spcBef>
+                <a:spcPts val="500"/>
+              </a:spcBef>
+              <a:buFont typeface="Arial" panose="020B0604020202020204" pitchFamily="34" charset="0"/>
+              <a:buNone/>
+              <a:defRPr sz="1600" kern="1200">
+                <a:solidFill>
+                  <a:schemeClr val="tx1"/>
+                </a:solidFill>
+                <a:latin typeface="+mn-lt"/>
+                <a:ea typeface="+mn-ea"/>
+                <a:cs typeface="+mn-cs"/>
+              </a:defRPr>
+            </a:lvl9pPr>
+          </a:lstStyle>
+          <a:p>
+            <a:pPr algn="l"/>
+            <a:r>
+              <a:rPr lang="en-US" sz="1600" dirty="0">
+                <a:solidFill>
+                  <a:srgbClr val="FF6600"/>
+                </a:solidFill>
+              </a:rPr>
+              <a:t>Yellow Cab: 4.98% of trips ended in an overall loss</a:t>
+            </a:r>
+          </a:p>
+        </p:txBody>
+      </p:sp>
     </p:spTree>
     <p:extLst>
       <p:ext uri="{BB962C8B-B14F-4D97-AF65-F5344CB8AC3E}">
-        <p14:creationId xmlns:p14="http://schemas.microsoft.com/office/powerpoint/2010/main" val="3429864989"/>
+        <p14:creationId xmlns:p14="http://schemas.microsoft.com/office/powerpoint/2010/main" val="2709919788"/>
       </p:ext>
     </p:extLst>
   </p:cSld>
@@ -4052,7 +4220,7 @@
                   <a:srgbClr val="FF6600"/>
                 </a:solidFill>
               </a:rPr>
-              <a:t>Monthly Mileage between January 2016 and December 2018</a:t>
+              <a:t>Monthly Profit between January 2016 and December 2018</a:t>
             </a:r>
           </a:p>
         </p:txBody>
@@ -4095,10 +4263,10 @@
       </p:pic>
       <p:pic>
         <p:nvPicPr>
-          <p:cNvPr id="9" name="Picture 8" descr="Chart, line chart&#10;&#10;Description automatically generated">
+          <p:cNvPr id="6" name="Picture 5" descr="Chart, line chart&#10;&#10;Description automatically generated">
             <a:extLst>
               <a:ext uri="{FF2B5EF4-FFF2-40B4-BE49-F238E27FC236}">
-                <a16:creationId xmlns:a16="http://schemas.microsoft.com/office/drawing/2014/main" id="{6DFF0572-9BEF-3106-876D-5407E9E95034}"/>
+                <a16:creationId xmlns:a16="http://schemas.microsoft.com/office/drawing/2014/main" id="{B42BC446-1B20-804D-B43D-668BD502F575}"/>
               </a:ext>
             </a:extLst>
           </p:cNvPr>
@@ -4121,8 +4289,8 @@
         </p:blipFill>
         <p:spPr>
           <a:xfrm>
-            <a:off x="2645936" y="2009329"/>
-            <a:ext cx="6900123" cy="4357973"/>
+            <a:off x="2895867" y="2068427"/>
+            <a:ext cx="6400261" cy="4335661"/>
           </a:xfrm>
           <a:prstGeom prst="rect">
             <a:avLst/>
@@ -4132,7 +4300,7 @@
     </p:spTree>
     <p:extLst>
       <p:ext uri="{BB962C8B-B14F-4D97-AF65-F5344CB8AC3E}">
-        <p14:creationId xmlns:p14="http://schemas.microsoft.com/office/powerpoint/2010/main" val="1216687304"/>
+        <p14:creationId xmlns:p14="http://schemas.microsoft.com/office/powerpoint/2010/main" val="3429864989"/>
       </p:ext>
     </p:extLst>
   </p:cSld>
@@ -4237,7 +4405,7 @@
                   <a:srgbClr val="FF6600"/>
                 </a:solidFill>
               </a:rPr>
-              <a:t>Total profit by month, 2016-18</a:t>
+              <a:t>Monthly Mileage between January 2016 and December 2018</a:t>
             </a:r>
           </a:p>
         </p:txBody>
@@ -4280,10 +4448,10 @@
       </p:pic>
       <p:pic>
         <p:nvPicPr>
-          <p:cNvPr id="6" name="Picture 5" descr="Chart, bar chart&#10;&#10;Description automatically generated">
+          <p:cNvPr id="9" name="Picture 8" descr="Chart, line chart&#10;&#10;Description automatically generated">
             <a:extLst>
               <a:ext uri="{FF2B5EF4-FFF2-40B4-BE49-F238E27FC236}">
-                <a16:creationId xmlns:a16="http://schemas.microsoft.com/office/drawing/2014/main" id="{C666C23A-DA83-6E22-0FD3-4915CC6E8A72}"/>
+                <a16:creationId xmlns:a16="http://schemas.microsoft.com/office/drawing/2014/main" id="{6DFF0572-9BEF-3106-876D-5407E9E95034}"/>
               </a:ext>
             </a:extLst>
           </p:cNvPr>
@@ -4306,8 +4474,8 @@
         </p:blipFill>
         <p:spPr>
           <a:xfrm>
-            <a:off x="2991658" y="1977833"/>
-            <a:ext cx="6208683" cy="4557438"/>
+            <a:off x="2645936" y="2009329"/>
+            <a:ext cx="6900123" cy="4357973"/>
           </a:xfrm>
           <a:prstGeom prst="rect">
             <a:avLst/>
@@ -4317,7 +4485,7 @@
     </p:spTree>
     <p:extLst>
       <p:ext uri="{BB962C8B-B14F-4D97-AF65-F5344CB8AC3E}">
-        <p14:creationId xmlns:p14="http://schemas.microsoft.com/office/powerpoint/2010/main" val="3955218116"/>
+        <p14:creationId xmlns:p14="http://schemas.microsoft.com/office/powerpoint/2010/main" val="1216687304"/>
       </p:ext>
     </p:extLst>
   </p:cSld>
@@ -4422,7 +4590,21 @@
                   <a:srgbClr val="FF6600"/>
                 </a:solidFill>
               </a:rPr>
-              <a:t>Total mileage by month, 2016-18</a:t>
+              <a:t>Annual Mileage and Profit between 2016 and 2018</a:t>
+            </a:r>
+          </a:p>
+          <a:p>
+            <a:pPr marL="342900" indent="-342900" algn="l">
+              <a:buFont typeface="Arial" panose="020B0604020202020204" pitchFamily="34" charset="0"/>
+              <a:buChar char="•"/>
+            </a:pPr>
+            <a:r>
+              <a:rPr lang="en-US" dirty="0">
+                <a:solidFill>
+                  <a:srgbClr val="FF6600"/>
+                </a:solidFill>
+              </a:rPr>
+              <a:t>Although mileage has increased, profit has seen a slight decrease in both companies.</a:t>
             </a:r>
           </a:p>
         </p:txBody>
@@ -4465,10 +4647,10 @@
       </p:pic>
       <p:pic>
         <p:nvPicPr>
-          <p:cNvPr id="9" name="Picture 8" descr="Chart, bar chart&#10;&#10;Description automatically generated">
+          <p:cNvPr id="6" name="Picture 5">
             <a:extLst>
               <a:ext uri="{FF2B5EF4-FFF2-40B4-BE49-F238E27FC236}">
-                <a16:creationId xmlns:a16="http://schemas.microsoft.com/office/drawing/2014/main" id="{F7443062-64AA-67AF-AF5C-DC4A22206848}"/>
+                <a16:creationId xmlns:a16="http://schemas.microsoft.com/office/drawing/2014/main" id="{552FCB39-A184-BF87-06A1-4FACD944A110}"/>
               </a:ext>
             </a:extLst>
           </p:cNvPr>
@@ -4485,14 +4667,48 @@
               </a:ext>
             </a:extLst>
           </a:blip>
-          <a:stretch>
-            <a:fillRect/>
-          </a:stretch>
+          <a:srcRect/>
+          <a:stretch/>
         </p:blipFill>
         <p:spPr>
           <a:xfrm>
-            <a:off x="2766258" y="1980495"/>
-            <a:ext cx="6659483" cy="4336027"/>
+            <a:off x="643378" y="2600333"/>
+            <a:ext cx="4977778" cy="3466667"/>
+          </a:xfrm>
+          <a:prstGeom prst="rect">
+            <a:avLst/>
+          </a:prstGeom>
+        </p:spPr>
+      </p:pic>
+      <p:pic>
+        <p:nvPicPr>
+          <p:cNvPr id="8" name="Picture 7">
+            <a:extLst>
+              <a:ext uri="{FF2B5EF4-FFF2-40B4-BE49-F238E27FC236}">
+                <a16:creationId xmlns:a16="http://schemas.microsoft.com/office/drawing/2014/main" id="{1394D86B-353F-CCC0-3744-62E230CAFBA8}"/>
+              </a:ext>
+            </a:extLst>
+          </p:cNvPr>
+          <p:cNvPicPr>
+            <a:picLocks noChangeAspect="1"/>
+          </p:cNvPicPr>
+          <p:nvPr/>
+        </p:nvPicPr>
+        <p:blipFill>
+          <a:blip r:embed="rId4">
+            <a:extLst>
+              <a:ext uri="{28A0092B-C50C-407E-A947-70E740481C1C}">
+                <a14:useLocalDpi xmlns:a14="http://schemas.microsoft.com/office/drawing/2010/main" val="0"/>
+              </a:ext>
+            </a:extLst>
+          </a:blip>
+          <a:srcRect/>
+          <a:stretch/>
+        </p:blipFill>
+        <p:spPr>
+          <a:xfrm>
+            <a:off x="5913246" y="2600332"/>
+            <a:ext cx="4901587" cy="3466667"/>
           </a:xfrm>
           <a:prstGeom prst="rect">
             <a:avLst/>
@@ -4502,7 +4718,7 @@
     </p:spTree>
     <p:extLst>
       <p:ext uri="{BB962C8B-B14F-4D97-AF65-F5344CB8AC3E}">
-        <p14:creationId xmlns:p14="http://schemas.microsoft.com/office/powerpoint/2010/main" val="1375765434"/>
+        <p14:creationId xmlns:p14="http://schemas.microsoft.com/office/powerpoint/2010/main" val="4046910359"/>
       </p:ext>
     </p:extLst>
   </p:cSld>
@@ -4567,6 +4783,376 @@
                   <a:srgbClr val="FF6600"/>
                 </a:solidFill>
               </a:rPr>
+              <a:t>Seasonal Trends</a:t>
+            </a:r>
+          </a:p>
+        </p:txBody>
+      </p:sp>
+      <p:sp>
+        <p:nvSpPr>
+          <p:cNvPr id="3" name="Subtitle 2">
+            <a:extLst>
+              <a:ext uri="{FF2B5EF4-FFF2-40B4-BE49-F238E27FC236}">
+                <a16:creationId xmlns:a16="http://schemas.microsoft.com/office/drawing/2014/main" id="{60B3D5A6-E766-7C41-BD00-B22DA4727FBA}"/>
+              </a:ext>
+            </a:extLst>
+          </p:cNvPr>
+          <p:cNvSpPr>
+            <a:spLocks noGrp="1"/>
+          </p:cNvSpPr>
+          <p:nvPr>
+            <p:ph type="subTitle" idx="1"/>
+          </p:nvPr>
+        </p:nvSpPr>
+        <p:spPr>
+          <a:xfrm rot="5400000">
+            <a:off x="3761630" y="-2036741"/>
+            <a:ext cx="4683978" cy="11750041"/>
+          </a:xfrm>
+        </p:spPr>
+        <p:txBody>
+          <a:bodyPr vert="vert270">
+            <a:normAutofit/>
+          </a:bodyPr>
+          <a:lstStyle/>
+          <a:p>
+            <a:pPr algn="l"/>
+            <a:r>
+              <a:rPr lang="en-US" dirty="0">
+                <a:solidFill>
+                  <a:srgbClr val="FF6600"/>
+                </a:solidFill>
+              </a:rPr>
+              <a:t>Total profit by month, 2016-18</a:t>
+            </a:r>
+          </a:p>
+        </p:txBody>
+      </p:sp>
+      <p:pic>
+        <p:nvPicPr>
+          <p:cNvPr id="4" name="Picture 3">
+            <a:extLst>
+              <a:ext uri="{FF2B5EF4-FFF2-40B4-BE49-F238E27FC236}">
+                <a16:creationId xmlns:a16="http://schemas.microsoft.com/office/drawing/2014/main" id="{7A465064-0714-5743-882B-8875105A7023}"/>
+              </a:ext>
+            </a:extLst>
+          </p:cNvPr>
+          <p:cNvPicPr>
+            <a:picLocks noChangeAspect="1"/>
+          </p:cNvPicPr>
+          <p:nvPr/>
+        </p:nvPicPr>
+        <p:blipFill>
+          <a:blip r:embed="rId2" cstate="print">
+            <a:extLst>
+              <a:ext uri="{28A0092B-C50C-407E-A947-70E740481C1C}">
+                <a14:useLocalDpi xmlns:a14="http://schemas.microsoft.com/office/drawing/2010/main" val="0"/>
+              </a:ext>
+            </a:extLst>
+          </a:blip>
+          <a:stretch>
+            <a:fillRect/>
+          </a:stretch>
+        </p:blipFill>
+        <p:spPr>
+          <a:xfrm>
+            <a:off x="0" y="5863771"/>
+            <a:ext cx="1654627" cy="994232"/>
+          </a:xfrm>
+          <a:prstGeom prst="rect">
+            <a:avLst/>
+          </a:prstGeom>
+        </p:spPr>
+      </p:pic>
+      <p:pic>
+        <p:nvPicPr>
+          <p:cNvPr id="6" name="Picture 5" descr="Chart, bar chart&#10;&#10;Description automatically generated">
+            <a:extLst>
+              <a:ext uri="{FF2B5EF4-FFF2-40B4-BE49-F238E27FC236}">
+                <a16:creationId xmlns:a16="http://schemas.microsoft.com/office/drawing/2014/main" id="{C666C23A-DA83-6E22-0FD3-4915CC6E8A72}"/>
+              </a:ext>
+            </a:extLst>
+          </p:cNvPr>
+          <p:cNvPicPr>
+            <a:picLocks noChangeAspect="1"/>
+          </p:cNvPicPr>
+          <p:nvPr/>
+        </p:nvPicPr>
+        <p:blipFill>
+          <a:blip r:embed="rId3">
+            <a:extLst>
+              <a:ext uri="{28A0092B-C50C-407E-A947-70E740481C1C}">
+                <a14:useLocalDpi xmlns:a14="http://schemas.microsoft.com/office/drawing/2010/main" val="0"/>
+              </a:ext>
+            </a:extLst>
+          </a:blip>
+          <a:stretch>
+            <a:fillRect/>
+          </a:stretch>
+        </p:blipFill>
+        <p:spPr>
+          <a:xfrm>
+            <a:off x="2991658" y="1977833"/>
+            <a:ext cx="6208683" cy="4557438"/>
+          </a:xfrm>
+          <a:prstGeom prst="rect">
+            <a:avLst/>
+          </a:prstGeom>
+        </p:spPr>
+      </p:pic>
+    </p:spTree>
+    <p:extLst>
+      <p:ext uri="{BB962C8B-B14F-4D97-AF65-F5344CB8AC3E}">
+        <p14:creationId xmlns:p14="http://schemas.microsoft.com/office/powerpoint/2010/main" val="3955218116"/>
+      </p:ext>
+    </p:extLst>
+  </p:cSld>
+  <p:clrMapOvr>
+    <a:masterClrMapping/>
+  </p:clrMapOvr>
+</p:sld>
+</file>
+
+<file path=ppt/slides/slide16.xml><?xml version="1.0" encoding="utf-8"?>
+<p:sld xmlns:a="http://schemas.openxmlformats.org/drawingml/2006/main" xmlns:r="http://schemas.openxmlformats.org/officeDocument/2006/relationships" xmlns:p="http://schemas.openxmlformats.org/presentationml/2006/main">
+  <p:cSld>
+    <p:spTree>
+      <p:nvGrpSpPr>
+        <p:cNvPr id="1" name=""/>
+        <p:cNvGrpSpPr/>
+        <p:nvPr/>
+      </p:nvGrpSpPr>
+      <p:grpSpPr>
+        <a:xfrm>
+          <a:off x="0" y="0"/>
+          <a:ext cx="0" cy="0"/>
+          <a:chOff x="0" y="0"/>
+          <a:chExt cx="0" cy="0"/>
+        </a:xfrm>
+      </p:grpSpPr>
+      <p:sp>
+        <p:nvSpPr>
+          <p:cNvPr id="2" name="Title 1">
+            <a:extLst>
+              <a:ext uri="{FF2B5EF4-FFF2-40B4-BE49-F238E27FC236}">
+                <a16:creationId xmlns:a16="http://schemas.microsoft.com/office/drawing/2014/main" id="{E8B8F26E-9345-4747-9094-972E38700A17}"/>
+              </a:ext>
+            </a:extLst>
+          </p:cNvPr>
+          <p:cNvSpPr>
+            <a:spLocks noGrp="1"/>
+          </p:cNvSpPr>
+          <p:nvPr>
+            <p:ph type="ctrTitle"/>
+          </p:nvPr>
+        </p:nvSpPr>
+        <p:spPr>
+          <a:xfrm rot="5400000">
+            <a:off x="5441371" y="-5441371"/>
+            <a:ext cx="1309255" cy="12192001"/>
+          </a:xfrm>
+          <a:solidFill>
+            <a:srgbClr val="3B3B3B"/>
+          </a:solidFill>
+        </p:spPr>
+        <p:txBody>
+          <a:bodyPr vert="vert270" anchor="t" anchorCtr="0">
+            <a:normAutofit/>
+          </a:bodyPr>
+          <a:lstStyle/>
+          <a:p>
+            <a:pPr algn="l"/>
+            <a:r>
+              <a:rPr lang="en-US" b="1" dirty="0">
+                <a:solidFill>
+                  <a:srgbClr val="FF6600"/>
+                </a:solidFill>
+              </a:rPr>
+              <a:t>Seasonal Trends</a:t>
+            </a:r>
+          </a:p>
+        </p:txBody>
+      </p:sp>
+      <p:sp>
+        <p:nvSpPr>
+          <p:cNvPr id="3" name="Subtitle 2">
+            <a:extLst>
+              <a:ext uri="{FF2B5EF4-FFF2-40B4-BE49-F238E27FC236}">
+                <a16:creationId xmlns:a16="http://schemas.microsoft.com/office/drawing/2014/main" id="{60B3D5A6-E766-7C41-BD00-B22DA4727FBA}"/>
+              </a:ext>
+            </a:extLst>
+          </p:cNvPr>
+          <p:cNvSpPr>
+            <a:spLocks noGrp="1"/>
+          </p:cNvSpPr>
+          <p:nvPr>
+            <p:ph type="subTitle" idx="1"/>
+          </p:nvPr>
+        </p:nvSpPr>
+        <p:spPr>
+          <a:xfrm rot="5400000">
+            <a:off x="3761630" y="-2036741"/>
+            <a:ext cx="4683978" cy="11750041"/>
+          </a:xfrm>
+        </p:spPr>
+        <p:txBody>
+          <a:bodyPr vert="vert270">
+            <a:normAutofit/>
+          </a:bodyPr>
+          <a:lstStyle/>
+          <a:p>
+            <a:pPr algn="l"/>
+            <a:r>
+              <a:rPr lang="en-US" dirty="0">
+                <a:solidFill>
+                  <a:srgbClr val="FF6600"/>
+                </a:solidFill>
+              </a:rPr>
+              <a:t>Total mileage by month, 2016-18</a:t>
+            </a:r>
+          </a:p>
+        </p:txBody>
+      </p:sp>
+      <p:pic>
+        <p:nvPicPr>
+          <p:cNvPr id="4" name="Picture 3">
+            <a:extLst>
+              <a:ext uri="{FF2B5EF4-FFF2-40B4-BE49-F238E27FC236}">
+                <a16:creationId xmlns:a16="http://schemas.microsoft.com/office/drawing/2014/main" id="{7A465064-0714-5743-882B-8875105A7023}"/>
+              </a:ext>
+            </a:extLst>
+          </p:cNvPr>
+          <p:cNvPicPr>
+            <a:picLocks noChangeAspect="1"/>
+          </p:cNvPicPr>
+          <p:nvPr/>
+        </p:nvPicPr>
+        <p:blipFill>
+          <a:blip r:embed="rId2" cstate="print">
+            <a:extLst>
+              <a:ext uri="{28A0092B-C50C-407E-A947-70E740481C1C}">
+                <a14:useLocalDpi xmlns:a14="http://schemas.microsoft.com/office/drawing/2010/main" val="0"/>
+              </a:ext>
+            </a:extLst>
+          </a:blip>
+          <a:stretch>
+            <a:fillRect/>
+          </a:stretch>
+        </p:blipFill>
+        <p:spPr>
+          <a:xfrm>
+            <a:off x="0" y="5863771"/>
+            <a:ext cx="1654627" cy="994232"/>
+          </a:xfrm>
+          <a:prstGeom prst="rect">
+            <a:avLst/>
+          </a:prstGeom>
+        </p:spPr>
+      </p:pic>
+      <p:pic>
+        <p:nvPicPr>
+          <p:cNvPr id="9" name="Picture 8" descr="Chart, bar chart&#10;&#10;Description automatically generated">
+            <a:extLst>
+              <a:ext uri="{FF2B5EF4-FFF2-40B4-BE49-F238E27FC236}">
+                <a16:creationId xmlns:a16="http://schemas.microsoft.com/office/drawing/2014/main" id="{F7443062-64AA-67AF-AF5C-DC4A22206848}"/>
+              </a:ext>
+            </a:extLst>
+          </p:cNvPr>
+          <p:cNvPicPr>
+            <a:picLocks noChangeAspect="1"/>
+          </p:cNvPicPr>
+          <p:nvPr/>
+        </p:nvPicPr>
+        <p:blipFill>
+          <a:blip r:embed="rId3">
+            <a:extLst>
+              <a:ext uri="{28A0092B-C50C-407E-A947-70E740481C1C}">
+                <a14:useLocalDpi xmlns:a14="http://schemas.microsoft.com/office/drawing/2010/main" val="0"/>
+              </a:ext>
+            </a:extLst>
+          </a:blip>
+          <a:stretch>
+            <a:fillRect/>
+          </a:stretch>
+        </p:blipFill>
+        <p:spPr>
+          <a:xfrm>
+            <a:off x="2766258" y="1980495"/>
+            <a:ext cx="6659483" cy="4336027"/>
+          </a:xfrm>
+          <a:prstGeom prst="rect">
+            <a:avLst/>
+          </a:prstGeom>
+        </p:spPr>
+      </p:pic>
+    </p:spTree>
+    <p:extLst>
+      <p:ext uri="{BB962C8B-B14F-4D97-AF65-F5344CB8AC3E}">
+        <p14:creationId xmlns:p14="http://schemas.microsoft.com/office/powerpoint/2010/main" val="1375765434"/>
+      </p:ext>
+    </p:extLst>
+  </p:cSld>
+  <p:clrMapOvr>
+    <a:masterClrMapping/>
+  </p:clrMapOvr>
+</p:sld>
+</file>
+
+<file path=ppt/slides/slide17.xml><?xml version="1.0" encoding="utf-8"?>
+<p:sld xmlns:a="http://schemas.openxmlformats.org/drawingml/2006/main" xmlns:r="http://schemas.openxmlformats.org/officeDocument/2006/relationships" xmlns:p="http://schemas.openxmlformats.org/presentationml/2006/main">
+  <p:cSld>
+    <p:spTree>
+      <p:nvGrpSpPr>
+        <p:cNvPr id="1" name=""/>
+        <p:cNvGrpSpPr/>
+        <p:nvPr/>
+      </p:nvGrpSpPr>
+      <p:grpSpPr>
+        <a:xfrm>
+          <a:off x="0" y="0"/>
+          <a:ext cx="0" cy="0"/>
+          <a:chOff x="0" y="0"/>
+          <a:chExt cx="0" cy="0"/>
+        </a:xfrm>
+      </p:grpSpPr>
+      <p:sp>
+        <p:nvSpPr>
+          <p:cNvPr id="2" name="Title 1">
+            <a:extLst>
+              <a:ext uri="{FF2B5EF4-FFF2-40B4-BE49-F238E27FC236}">
+                <a16:creationId xmlns:a16="http://schemas.microsoft.com/office/drawing/2014/main" id="{E8B8F26E-9345-4747-9094-972E38700A17}"/>
+              </a:ext>
+            </a:extLst>
+          </p:cNvPr>
+          <p:cNvSpPr>
+            <a:spLocks noGrp="1"/>
+          </p:cNvSpPr>
+          <p:nvPr>
+            <p:ph type="ctrTitle"/>
+          </p:nvPr>
+        </p:nvSpPr>
+        <p:spPr>
+          <a:xfrm rot="5400000">
+            <a:off x="5441371" y="-5441371"/>
+            <a:ext cx="1309255" cy="12192001"/>
+          </a:xfrm>
+          <a:solidFill>
+            <a:srgbClr val="3B3B3B"/>
+          </a:solidFill>
+        </p:spPr>
+        <p:txBody>
+          <a:bodyPr vert="vert270" anchor="t" anchorCtr="0">
+            <a:normAutofit/>
+          </a:bodyPr>
+          <a:lstStyle/>
+          <a:p>
+            <a:pPr algn="l"/>
+            <a:r>
+              <a:rPr lang="en-US" b="1" dirty="0">
+                <a:solidFill>
+                  <a:srgbClr val="FF6600"/>
+                </a:solidFill>
+              </a:rPr>
               <a:t>Summary &amp; Recommendations</a:t>
             </a:r>
           </a:p>
@@ -4761,7 +5347,7 @@
 </p:sld>
 </file>
 
-<file path=ppt/slides/slide16.xml><?xml version="1.0" encoding="utf-8"?>
+<file path=ppt/slides/slide18.xml><?xml version="1.0" encoding="utf-8"?>
 <p:sld xmlns:a="http://schemas.openxmlformats.org/drawingml/2006/main" xmlns:r="http://schemas.openxmlformats.org/officeDocument/2006/relationships" xmlns:p="http://schemas.openxmlformats.org/presentationml/2006/main">
   <p:cSld>
     <p:spTree>
@@ -6255,7 +6841,7 @@
                   <a:srgbClr val="FF6600"/>
                 </a:solidFill>
               </a:rPr>
-              <a:t>Average profit made per trip</a:t>
+              <a:t>Average profit made per trip by city</a:t>
             </a:r>
           </a:p>
         </p:txBody>
@@ -6324,8 +6910,43 @@
         </p:blipFill>
         <p:spPr>
           <a:xfrm>
-            <a:off x="3189980" y="2300283"/>
+            <a:off x="500568" y="2201676"/>
             <a:ext cx="4939682" cy="4317460"/>
+          </a:xfrm>
+          <a:prstGeom prst="rect">
+            <a:avLst/>
+          </a:prstGeom>
+        </p:spPr>
+      </p:pic>
+      <p:pic>
+        <p:nvPicPr>
+          <p:cNvPr id="6" name="Picture 5">
+            <a:extLst>
+              <a:ext uri="{FF2B5EF4-FFF2-40B4-BE49-F238E27FC236}">
+                <a16:creationId xmlns:a16="http://schemas.microsoft.com/office/drawing/2014/main" id="{67F15852-BFAB-1E75-6C04-493F2111FF72}"/>
+              </a:ext>
+            </a:extLst>
+          </p:cNvPr>
+          <p:cNvPicPr>
+            <a:picLocks noChangeAspect="1"/>
+          </p:cNvPicPr>
+          <p:nvPr/>
+        </p:nvPicPr>
+        <p:blipFill>
+          <a:blip r:embed="rId4">
+            <a:extLst>
+              <a:ext uri="{28A0092B-C50C-407E-A947-70E740481C1C}">
+                <a14:useLocalDpi xmlns:a14="http://schemas.microsoft.com/office/drawing/2010/main" val="0"/>
+              </a:ext>
+            </a:extLst>
+          </a:blip>
+          <a:srcRect/>
+          <a:stretch/>
+        </p:blipFill>
+        <p:spPr>
+          <a:xfrm>
+            <a:off x="5819796" y="2201676"/>
+            <a:ext cx="6083539" cy="4097397"/>
           </a:xfrm>
           <a:prstGeom prst="rect">
             <a:avLst/>
@@ -6400,7 +7021,7 @@
                   <a:srgbClr val="FF6600"/>
                 </a:solidFill>
               </a:rPr>
-              <a:t>Profit Analysis of Trips</a:t>
+              <a:t>Profit Analysis by City</a:t>
             </a:r>
           </a:p>
         </p:txBody>
@@ -6432,17 +7053,6 @@
             <a:normAutofit/>
           </a:bodyPr>
           <a:lstStyle/>
-          <a:p>
-            <a:pPr algn="l"/>
-            <a:r>
-              <a:rPr lang="en-US" dirty="0">
-                <a:solidFill>
-                  <a:srgbClr val="FF6600"/>
-                </a:solidFill>
-              </a:rPr>
-              <a:t>Cost of Trips based on distance (km):</a:t>
-            </a:r>
-          </a:p>
           <a:p>
             <a:pPr marL="342900" indent="-342900" algn="l">
               <a:buFont typeface="Arial" panose="020B0604020202020204" pitchFamily="34" charset="0"/>
@@ -6454,21 +7064,7 @@
                   <a:srgbClr val="FF6600"/>
                 </a:solidFill>
               </a:rPr>
-              <a:t>Pink Cab Average: $11.00/km</a:t>
-            </a:r>
-          </a:p>
-          <a:p>
-            <a:pPr marL="342900" indent="-342900" algn="l">
-              <a:buFont typeface="Arial" panose="020B0604020202020204" pitchFamily="34" charset="0"/>
-              <a:buChar char="•"/>
-            </a:pPr>
-            <a:r>
-              <a:rPr lang="en-US" dirty="0">
-                <a:solidFill>
-                  <a:srgbClr val="FF6600"/>
-                </a:solidFill>
-              </a:rPr>
-              <a:t>Yellow Cab Average: $13.20/km</a:t>
+              <a:t>Average profit made per trip by city (excluding the outlier New York)</a:t>
             </a:r>
           </a:p>
         </p:txBody>
@@ -6511,10 +7107,10 @@
       </p:pic>
       <p:pic>
         <p:nvPicPr>
-          <p:cNvPr id="6" name="Picture 5" descr="Shape&#10;&#10;Description automatically generated">
+          <p:cNvPr id="7" name="Picture 6" descr="Chart&#10;&#10;Description automatically generated">
             <a:extLst>
               <a:ext uri="{FF2B5EF4-FFF2-40B4-BE49-F238E27FC236}">
-                <a16:creationId xmlns:a16="http://schemas.microsoft.com/office/drawing/2014/main" id="{1713F419-275C-525E-551B-80D3D81174BE}"/>
+                <a16:creationId xmlns:a16="http://schemas.microsoft.com/office/drawing/2014/main" id="{0FEEBC73-18CF-72DE-AAAA-8D8E65B9F9E6}"/>
               </a:ext>
             </a:extLst>
           </p:cNvPr>
@@ -6537,8 +7133,43 @@
         </p:blipFill>
         <p:spPr>
           <a:xfrm>
-            <a:off x="5030169" y="1691981"/>
-            <a:ext cx="6732432" cy="4488288"/>
+            <a:off x="500568" y="2201676"/>
+            <a:ext cx="4939682" cy="4317460"/>
+          </a:xfrm>
+          <a:prstGeom prst="rect">
+            <a:avLst/>
+          </a:prstGeom>
+        </p:spPr>
+      </p:pic>
+      <p:pic>
+        <p:nvPicPr>
+          <p:cNvPr id="6" name="Picture 5">
+            <a:extLst>
+              <a:ext uri="{FF2B5EF4-FFF2-40B4-BE49-F238E27FC236}">
+                <a16:creationId xmlns:a16="http://schemas.microsoft.com/office/drawing/2014/main" id="{67F15852-BFAB-1E75-6C04-493F2111FF72}"/>
+              </a:ext>
+            </a:extLst>
+          </p:cNvPr>
+          <p:cNvPicPr>
+            <a:picLocks noChangeAspect="1"/>
+          </p:cNvPicPr>
+          <p:nvPr/>
+        </p:nvPicPr>
+        <p:blipFill>
+          <a:blip r:embed="rId4">
+            <a:extLst>
+              <a:ext uri="{28A0092B-C50C-407E-A947-70E740481C1C}">
+                <a14:useLocalDpi xmlns:a14="http://schemas.microsoft.com/office/drawing/2010/main" val="0"/>
+              </a:ext>
+            </a:extLst>
+          </a:blip>
+          <a:srcRect/>
+          <a:stretch/>
+        </p:blipFill>
+        <p:spPr>
+          <a:xfrm>
+            <a:off x="5819796" y="2222528"/>
+            <a:ext cx="6083539" cy="4055692"/>
           </a:xfrm>
           <a:prstGeom prst="rect">
             <a:avLst/>
@@ -6548,7 +7179,7 @@
     </p:spTree>
     <p:extLst>
       <p:ext uri="{BB962C8B-B14F-4D97-AF65-F5344CB8AC3E}">
-        <p14:creationId xmlns:p14="http://schemas.microsoft.com/office/powerpoint/2010/main" val="3974222415"/>
+        <p14:creationId xmlns:p14="http://schemas.microsoft.com/office/powerpoint/2010/main" val="3319724414"/>
       </p:ext>
     </p:extLst>
   </p:cSld>
@@ -6653,7 +7284,7 @@
                   <a:srgbClr val="FF6600"/>
                 </a:solidFill>
               </a:rPr>
-              <a:t>Price Charged based on distance (km):</a:t>
+              <a:t>Cost of Trips based on distance (km):</a:t>
             </a:r>
           </a:p>
           <a:p>
@@ -6667,7 +7298,7 @@
                   <a:srgbClr val="FF6600"/>
                 </a:solidFill>
               </a:rPr>
-              <a:t>Pink Cab Average: $13.80/km</a:t>
+              <a:t>Pink Cab Average: $11.00/km</a:t>
             </a:r>
           </a:p>
           <a:p>
@@ -6681,7 +7312,7 @@
                   <a:srgbClr val="FF6600"/>
                 </a:solidFill>
               </a:rPr>
-              <a:t>Yellow Cab Average: $20.27/km</a:t>
+              <a:t>Yellow Cab Average: $13.20/km</a:t>
             </a:r>
           </a:p>
         </p:txBody>
@@ -6724,10 +7355,10 @@
       </p:pic>
       <p:pic>
         <p:nvPicPr>
-          <p:cNvPr id="7" name="Picture 6" descr="Chart, arrow, scatter chart&#10;&#10;Description automatically generated">
+          <p:cNvPr id="6" name="Picture 5" descr="Shape&#10;&#10;Description automatically generated">
             <a:extLst>
               <a:ext uri="{FF2B5EF4-FFF2-40B4-BE49-F238E27FC236}">
-                <a16:creationId xmlns:a16="http://schemas.microsoft.com/office/drawing/2014/main" id="{59A09B83-D7C0-549D-1C4C-1C98D4EEB46C}"/>
+                <a16:creationId xmlns:a16="http://schemas.microsoft.com/office/drawing/2014/main" id="{1713F419-275C-525E-551B-80D3D81174BE}"/>
               </a:ext>
             </a:extLst>
           </p:cNvPr>
@@ -6750,8 +7381,8 @@
         </p:blipFill>
         <p:spPr>
           <a:xfrm>
-            <a:off x="5293142" y="1912287"/>
-            <a:ext cx="6601943" cy="4335111"/>
+            <a:off x="5030169" y="1691981"/>
+            <a:ext cx="6732432" cy="4488288"/>
           </a:xfrm>
           <a:prstGeom prst="rect">
             <a:avLst/>
@@ -6761,7 +7392,7 @@
     </p:spTree>
     <p:extLst>
       <p:ext uri="{BB962C8B-B14F-4D97-AF65-F5344CB8AC3E}">
-        <p14:creationId xmlns:p14="http://schemas.microsoft.com/office/powerpoint/2010/main" val="2302517380"/>
+        <p14:creationId xmlns:p14="http://schemas.microsoft.com/office/powerpoint/2010/main" val="3974222415"/>
       </p:ext>
     </p:extLst>
   </p:cSld>
@@ -6866,7 +7497,7 @@
                   <a:srgbClr val="FF6600"/>
                 </a:solidFill>
               </a:rPr>
-              <a:t>Profit based on distance (km):</a:t>
+              <a:t>Price Charged based on distance (km):</a:t>
             </a:r>
           </a:p>
           <a:p>
@@ -6880,7 +7511,7 @@
                   <a:srgbClr val="FF6600"/>
                 </a:solidFill>
               </a:rPr>
-              <a:t>Pink Cab Average: $2.81/km</a:t>
+              <a:t>Pink Cab Average: $13.80/km</a:t>
             </a:r>
           </a:p>
           <a:p>
@@ -6894,29 +7525,7 @@
                   <a:srgbClr val="FF6600"/>
                 </a:solidFill>
               </a:rPr>
-              <a:t>Yellow Cab Average: $7.07/km</a:t>
-            </a:r>
-          </a:p>
-          <a:p>
-            <a:pPr marL="342900" indent="-342900" algn="l">
-              <a:buFont typeface="Arial" panose="020B0604020202020204" pitchFamily="34" charset="0"/>
-              <a:buChar char="•"/>
-            </a:pPr>
-            <a:endParaRPr lang="en-US" dirty="0">
-              <a:solidFill>
-                <a:srgbClr val="FF6600"/>
-              </a:solidFill>
-            </a:endParaRPr>
-          </a:p>
-          <a:p>
-            <a:pPr algn="l"/>
-            <a:r>
-              <a:rPr lang="en-US" dirty="0">
-                <a:solidFill>
-                  <a:srgbClr val="FF6600"/>
-                </a:solidFill>
-              </a:rPr>
-              <a:t>(Profit per km independent of distance)</a:t>
+              <a:t>Yellow Cab Average: $20.27/km</a:t>
             </a:r>
           </a:p>
         </p:txBody>
@@ -6959,10 +7568,10 @@
       </p:pic>
       <p:pic>
         <p:nvPicPr>
-          <p:cNvPr id="6" name="Picture 5" descr="Chart, scatter chart&#10;&#10;Description automatically generated">
+          <p:cNvPr id="7" name="Picture 6" descr="Chart, arrow, scatter chart&#10;&#10;Description automatically generated">
             <a:extLst>
               <a:ext uri="{FF2B5EF4-FFF2-40B4-BE49-F238E27FC236}">
-                <a16:creationId xmlns:a16="http://schemas.microsoft.com/office/drawing/2014/main" id="{A3FE2C3D-73B8-FCD6-AF12-AF6B66C809B7}"/>
+                <a16:creationId xmlns:a16="http://schemas.microsoft.com/office/drawing/2014/main" id="{59A09B83-D7C0-549D-1C4C-1C98D4EEB46C}"/>
               </a:ext>
             </a:extLst>
           </p:cNvPr>
@@ -6985,8 +7594,8 @@
         </p:blipFill>
         <p:spPr>
           <a:xfrm>
-            <a:off x="5263153" y="1791829"/>
-            <a:ext cx="6612096" cy="4320123"/>
+            <a:off x="5293142" y="1912287"/>
+            <a:ext cx="6601943" cy="4335111"/>
           </a:xfrm>
           <a:prstGeom prst="rect">
             <a:avLst/>
@@ -6996,7 +7605,7 @@
     </p:spTree>
     <p:extLst>
       <p:ext uri="{BB962C8B-B14F-4D97-AF65-F5344CB8AC3E}">
-        <p14:creationId xmlns:p14="http://schemas.microsoft.com/office/powerpoint/2010/main" val="4128307037"/>
+        <p14:creationId xmlns:p14="http://schemas.microsoft.com/office/powerpoint/2010/main" val="2302517380"/>
       </p:ext>
     </p:extLst>
   </p:cSld>

--- a/week-3/Week_3_Presentation.pptx
+++ b/week-3/Week_3_Presentation.pptx
@@ -426,7 +426,7 @@
           <a:p>
             <a:fld id="{C764DE79-268F-4C1A-8933-263129D2AF90}" type="datetimeFigureOut">
               <a:rPr lang="en-US" dirty="0"/>
-              <a:t>6/18/2022</a:t>
+              <a:t>6/21/2022</a:t>
             </a:fld>
             <a:endParaRPr lang="en-US"/>
           </a:p>
@@ -594,7 +594,7 @@
           <a:p>
             <a:fld id="{C764DE79-268F-4C1A-8933-263129D2AF90}" type="datetimeFigureOut">
               <a:rPr lang="en-US" dirty="0"/>
-              <a:t>6/18/2022</a:t>
+              <a:t>6/21/2022</a:t>
             </a:fld>
             <a:endParaRPr lang="en-US"/>
           </a:p>
@@ -772,7 +772,7 @@
           <a:p>
             <a:fld id="{C764DE79-268F-4C1A-8933-263129D2AF90}" type="datetimeFigureOut">
               <a:rPr lang="en-US" dirty="0"/>
-              <a:t>6/18/2022</a:t>
+              <a:t>6/21/2022</a:t>
             </a:fld>
             <a:endParaRPr lang="en-US"/>
           </a:p>
@@ -940,7 +940,7 @@
           <a:p>
             <a:fld id="{C764DE79-268F-4C1A-8933-263129D2AF90}" type="datetimeFigureOut">
               <a:rPr lang="en-US" dirty="0"/>
-              <a:t>6/18/2022</a:t>
+              <a:t>6/21/2022</a:t>
             </a:fld>
             <a:endParaRPr lang="en-US"/>
           </a:p>
@@ -1185,7 +1185,7 @@
           <a:p>
             <a:fld id="{C764DE79-268F-4C1A-8933-263129D2AF90}" type="datetimeFigureOut">
               <a:rPr lang="en-US" dirty="0"/>
-              <a:t>6/18/2022</a:t>
+              <a:t>6/21/2022</a:t>
             </a:fld>
             <a:endParaRPr lang="en-US"/>
           </a:p>
@@ -1414,7 +1414,7 @@
           <a:p>
             <a:fld id="{C764DE79-268F-4C1A-8933-263129D2AF90}" type="datetimeFigureOut">
               <a:rPr lang="en-US" dirty="0"/>
-              <a:t>6/18/2022</a:t>
+              <a:t>6/21/2022</a:t>
             </a:fld>
             <a:endParaRPr lang="en-US"/>
           </a:p>
@@ -1778,7 +1778,7 @@
           <a:p>
             <a:fld id="{C764DE79-268F-4C1A-8933-263129D2AF90}" type="datetimeFigureOut">
               <a:rPr lang="en-US" dirty="0"/>
-              <a:t>6/18/2022</a:t>
+              <a:t>6/21/2022</a:t>
             </a:fld>
             <a:endParaRPr lang="en-US"/>
           </a:p>
@@ -1895,7 +1895,7 @@
           <a:p>
             <a:fld id="{C764DE79-268F-4C1A-8933-263129D2AF90}" type="datetimeFigureOut">
               <a:rPr lang="en-US" dirty="0"/>
-              <a:t>6/18/2022</a:t>
+              <a:t>6/21/2022</a:t>
             </a:fld>
             <a:endParaRPr lang="en-US"/>
           </a:p>
@@ -1990,7 +1990,7 @@
           <a:p>
             <a:fld id="{C764DE79-268F-4C1A-8933-263129D2AF90}" type="datetimeFigureOut">
               <a:rPr lang="en-US" dirty="0"/>
-              <a:t>6/18/2022</a:t>
+              <a:t>6/21/2022</a:t>
             </a:fld>
             <a:endParaRPr lang="en-US"/>
           </a:p>
@@ -2265,7 +2265,7 @@
           <a:p>
             <a:fld id="{C764DE79-268F-4C1A-8933-263129D2AF90}" type="datetimeFigureOut">
               <a:rPr lang="en-US" dirty="0"/>
-              <a:t>6/18/2022</a:t>
+              <a:t>6/21/2022</a:t>
             </a:fld>
             <a:endParaRPr lang="en-US"/>
           </a:p>
@@ -2520,7 +2520,7 @@
           <a:p>
             <a:fld id="{C764DE79-268F-4C1A-8933-263129D2AF90}" type="datetimeFigureOut">
               <a:rPr lang="en-US" dirty="0"/>
-              <a:t>6/18/2022</a:t>
+              <a:t>6/21/2022</a:t>
             </a:fld>
             <a:endParaRPr lang="en-US"/>
           </a:p>
@@ -2731,7 +2731,7 @@
           <a:p>
             <a:fld id="{C764DE79-268F-4C1A-8933-263129D2AF90}" type="datetimeFigureOut">
               <a:rPr lang="en-US" dirty="0"/>
-              <a:t>6/18/2022</a:t>
+              <a:t>6/21/2022</a:t>
             </a:fld>
             <a:endParaRPr lang="en-US"/>
           </a:p>
@@ -5293,7 +5293,7 @@
                   <a:srgbClr val="FF6600"/>
                 </a:solidFill>
               </a:rPr>
-              <a:t> to Pink Cab.</a:t>
+              <a:t> over Pink Cab.</a:t>
             </a:r>
           </a:p>
         </p:txBody>
@@ -5416,7 +5416,7 @@
           <p:nvPr/>
         </p:nvPicPr>
         <p:blipFill>
-          <a:blip r:embed="rId2">
+          <a:blip r:embed="rId2" cstate="print">
             <a:extLst>
               <a:ext uri="{28A0092B-C50C-407E-A947-70E740481C1C}">
                 <a14:useLocalDpi xmlns:a14="http://schemas.microsoft.com/office/drawing/2010/main" val="0"/>
